--- a/Design Patterns - Decorator.pptx
+++ b/Design Patterns - Decorator.pptx
@@ -12,7 +12,12 @@
     <p:sldId id="262" r:id="rId6"/>
     <p:sldId id="264" r:id="rId7"/>
     <p:sldId id="261" r:id="rId8"/>
-    <p:sldId id="263" r:id="rId9"/>
+    <p:sldId id="265" r:id="rId9"/>
+    <p:sldId id="266" r:id="rId10"/>
+    <p:sldId id="268" r:id="rId11"/>
+    <p:sldId id="267" r:id="rId12"/>
+    <p:sldId id="263" r:id="rId13"/>
+    <p:sldId id="269" r:id="rId14"/>
   </p:sldIdLst>
   <p:sldSz cx="12192000" cy="6858000"/>
   <p:notesSz cx="6858000" cy="9144000"/>
@@ -111,6 +116,11 @@
       </a:defRPr>
     </a:lvl9pPr>
   </p:defaultTextStyle>
+  <p:extLst>
+    <p:ext uri="{EFAFB233-063F-42B5-8137-9DF3F51BA10A}">
+      <p15:sldGuideLst xmlns:p15="http://schemas.microsoft.com/office/powerpoint/2012/main"/>
+    </p:ext>
+  </p:extLst>
 </p:presentation>
 </file>
 
@@ -3543,7 +3553,7 @@
             <a:fld id="{B61BEF0D-F0BB-DE4B-95CE-6DB70DBA9567}" type="datetimeFigureOut">
               <a:rPr lang="en-US" dirty="0"/>
               <a:pPr/>
-              <a:t>9/3/2019</a:t>
+              <a:t>9/6/2019</a:t>
             </a:fld>
             <a:endParaRPr lang="en-US" dirty="0"/>
           </a:p>
@@ -3831,7 +3841,7 @@
             <a:fld id="{B61BEF0D-F0BB-DE4B-95CE-6DB70DBA9567}" type="datetimeFigureOut">
               <a:rPr lang="en-US" dirty="0"/>
               <a:pPr/>
-              <a:t>9/3/2019</a:t>
+              <a:t>9/6/2019</a:t>
             </a:fld>
             <a:endParaRPr lang="en-US" dirty="0"/>
           </a:p>
@@ -4076,7 +4086,7 @@
             <a:fld id="{B61BEF0D-F0BB-DE4B-95CE-6DB70DBA9567}" type="datetimeFigureOut">
               <a:rPr lang="en-US" dirty="0"/>
               <a:pPr/>
-              <a:t>9/3/2019</a:t>
+              <a:t>9/6/2019</a:t>
             </a:fld>
             <a:endParaRPr lang="en-US" dirty="0"/>
           </a:p>
@@ -4609,7 +4619,7 @@
             <a:fld id="{B61BEF0D-F0BB-DE4B-95CE-6DB70DBA9567}" type="datetimeFigureOut">
               <a:rPr lang="en-US" dirty="0"/>
               <a:pPr/>
-              <a:t>9/3/2019</a:t>
+              <a:t>9/6/2019</a:t>
             </a:fld>
             <a:endParaRPr lang="en-US" dirty="0"/>
           </a:p>
@@ -4854,7 +4864,7 @@
             <a:fld id="{B61BEF0D-F0BB-DE4B-95CE-6DB70DBA9567}" type="datetimeFigureOut">
               <a:rPr lang="en-US" dirty="0"/>
               <a:pPr/>
-              <a:t>9/3/2019</a:t>
+              <a:t>9/6/2019</a:t>
             </a:fld>
             <a:endParaRPr lang="en-US" dirty="0"/>
           </a:p>
@@ -5394,7 +5404,7 @@
             <a:fld id="{B61BEF0D-F0BB-DE4B-95CE-6DB70DBA9567}" type="datetimeFigureOut">
               <a:rPr lang="en-US" dirty="0"/>
               <a:pPr/>
-              <a:t>9/3/2019</a:t>
+              <a:t>9/6/2019</a:t>
             </a:fld>
             <a:endParaRPr lang="en-US" dirty="0"/>
           </a:p>
@@ -5701,7 +5711,7 @@
             <a:fld id="{B61BEF0D-F0BB-DE4B-95CE-6DB70DBA9567}" type="datetimeFigureOut">
               <a:rPr lang="en-US" dirty="0"/>
               <a:pPr/>
-              <a:t>9/3/2019</a:t>
+              <a:t>9/6/2019</a:t>
             </a:fld>
             <a:endParaRPr lang="en-US" dirty="0"/>
           </a:p>
@@ -5873,7 +5883,7 @@
             <a:fld id="{B61BEF0D-F0BB-DE4B-95CE-6DB70DBA9567}" type="datetimeFigureOut">
               <a:rPr lang="en-US" dirty="0"/>
               <a:pPr/>
-              <a:t>9/3/2019</a:t>
+              <a:t>9/6/2019</a:t>
             </a:fld>
             <a:endParaRPr lang="en-US" dirty="0"/>
           </a:p>
@@ -6050,7 +6060,7 @@
             <a:fld id="{B61BEF0D-F0BB-DE4B-95CE-6DB70DBA9567}" type="datetimeFigureOut">
               <a:rPr lang="en-US" dirty="0"/>
               <a:pPr/>
-              <a:t>9/3/2019</a:t>
+              <a:t>9/6/2019</a:t>
             </a:fld>
             <a:endParaRPr lang="en-US" dirty="0"/>
           </a:p>
@@ -6217,7 +6227,7 @@
             <a:fld id="{B61BEF0D-F0BB-DE4B-95CE-6DB70DBA9567}" type="datetimeFigureOut">
               <a:rPr lang="en-US" dirty="0"/>
               <a:pPr/>
-              <a:t>9/3/2019</a:t>
+              <a:t>9/6/2019</a:t>
             </a:fld>
             <a:endParaRPr lang="en-US" dirty="0"/>
           </a:p>
@@ -6460,7 +6470,7 @@
             <a:fld id="{B61BEF0D-F0BB-DE4B-95CE-6DB70DBA9567}" type="datetimeFigureOut">
               <a:rPr lang="en-US" dirty="0"/>
               <a:pPr/>
-              <a:t>9/3/2019</a:t>
+              <a:t>9/6/2019</a:t>
             </a:fld>
             <a:endParaRPr lang="en-US" dirty="0"/>
           </a:p>
@@ -6749,7 +6759,7 @@
             <a:fld id="{B61BEF0D-F0BB-DE4B-95CE-6DB70DBA9567}" type="datetimeFigureOut">
               <a:rPr lang="en-US" dirty="0"/>
               <a:pPr/>
-              <a:t>9/3/2019</a:t>
+              <a:t>9/6/2019</a:t>
             </a:fld>
             <a:endParaRPr lang="en-US" dirty="0"/>
           </a:p>
@@ -7176,7 +7186,7 @@
             <a:fld id="{B61BEF0D-F0BB-DE4B-95CE-6DB70DBA9567}" type="datetimeFigureOut">
               <a:rPr lang="en-US" dirty="0"/>
               <a:pPr/>
-              <a:t>9/3/2019</a:t>
+              <a:t>9/6/2019</a:t>
             </a:fld>
             <a:endParaRPr lang="en-US" dirty="0"/>
           </a:p>
@@ -7296,7 +7306,7 @@
             <a:fld id="{B61BEF0D-F0BB-DE4B-95CE-6DB70DBA9567}" type="datetimeFigureOut">
               <a:rPr lang="en-US" dirty="0"/>
               <a:pPr/>
-              <a:t>9/3/2019</a:t>
+              <a:t>9/6/2019</a:t>
             </a:fld>
             <a:endParaRPr lang="en-US" dirty="0"/>
           </a:p>
@@ -7388,7 +7398,7 @@
             <a:fld id="{B61BEF0D-F0BB-DE4B-95CE-6DB70DBA9567}" type="datetimeFigureOut">
               <a:rPr lang="en-US" dirty="0"/>
               <a:pPr/>
-              <a:t>9/3/2019</a:t>
+              <a:t>9/6/2019</a:t>
             </a:fld>
             <a:endParaRPr lang="en-US" dirty="0"/>
           </a:p>
@@ -7668,7 +7678,7 @@
             <a:fld id="{B61BEF0D-F0BB-DE4B-95CE-6DB70DBA9567}" type="datetimeFigureOut">
               <a:rPr lang="en-US" dirty="0"/>
               <a:pPr/>
-              <a:t>9/3/2019</a:t>
+              <a:t>9/6/2019</a:t>
             </a:fld>
             <a:endParaRPr lang="en-US" dirty="0"/>
           </a:p>
@@ -7956,7 +7966,7 @@
             <a:fld id="{B61BEF0D-F0BB-DE4B-95CE-6DB70DBA9567}" type="datetimeFigureOut">
               <a:rPr lang="en-US" dirty="0"/>
               <a:pPr/>
-              <a:t>9/3/2019</a:t>
+              <a:t>9/6/2019</a:t>
             </a:fld>
             <a:endParaRPr lang="en-US" dirty="0"/>
           </a:p>
@@ -8184,7 +8194,7 @@
             <a:fld id="{B61BEF0D-F0BB-DE4B-95CE-6DB70DBA9567}" type="datetimeFigureOut">
               <a:rPr lang="en-US" dirty="0"/>
               <a:pPr/>
-              <a:t>9/3/2019</a:t>
+              <a:t>9/6/2019</a:t>
             </a:fld>
             <a:endParaRPr lang="en-US" dirty="0"/>
           </a:p>
@@ -8992,6 +9002,790 @@
 </p:sld>
 </file>
 
+<file path=ppt/slides/slide10.xml><?xml version="1.0" encoding="utf-8"?>
+<p:sld xmlns:a="http://schemas.openxmlformats.org/drawingml/2006/main" xmlns:r="http://schemas.openxmlformats.org/officeDocument/2006/relationships" xmlns:p="http://schemas.openxmlformats.org/presentationml/2006/main">
+  <p:cSld>
+    <p:spTree>
+      <p:nvGrpSpPr>
+        <p:cNvPr id="1" name=""/>
+        <p:cNvGrpSpPr/>
+        <p:nvPr/>
+      </p:nvGrpSpPr>
+      <p:grpSpPr>
+        <a:xfrm>
+          <a:off x="0" y="0"/>
+          <a:ext cx="0" cy="0"/>
+          <a:chOff x="0" y="0"/>
+          <a:chExt cx="0" cy="0"/>
+        </a:xfrm>
+      </p:grpSpPr>
+      <p:sp>
+        <p:nvSpPr>
+          <p:cNvPr id="2" name="Title 1">
+            <a:extLst>
+              <a:ext uri="{FF2B5EF4-FFF2-40B4-BE49-F238E27FC236}">
+                <a16:creationId xmlns:a16="http://schemas.microsoft.com/office/drawing/2014/main" id="{6C79C934-B5E4-444A-A235-2C719A7A1B71}"/>
+              </a:ext>
+            </a:extLst>
+          </p:cNvPr>
+          <p:cNvSpPr>
+            <a:spLocks noGrp="1"/>
+          </p:cNvSpPr>
+          <p:nvPr>
+            <p:ph type="title"/>
+          </p:nvPr>
+        </p:nvSpPr>
+        <p:spPr/>
+        <p:txBody>
+          <a:bodyPr/>
+          <a:lstStyle/>
+          <a:p>
+            <a:r>
+              <a:rPr lang="en-US" dirty="0"/>
+              <a:t>That’s cool, but What about front-end development?</a:t>
+            </a:r>
+          </a:p>
+        </p:txBody>
+      </p:sp>
+      <p:pic>
+        <p:nvPicPr>
+          <p:cNvPr id="4" name="Picture 3">
+            <a:extLst>
+              <a:ext uri="{FF2B5EF4-FFF2-40B4-BE49-F238E27FC236}">
+                <a16:creationId xmlns:a16="http://schemas.microsoft.com/office/drawing/2014/main" id="{3D51E2B8-2DE2-4F27-BA21-B94F8DD78248}"/>
+              </a:ext>
+            </a:extLst>
+          </p:cNvPr>
+          <p:cNvPicPr>
+            <a:picLocks noChangeAspect="1"/>
+          </p:cNvPicPr>
+          <p:nvPr/>
+        </p:nvPicPr>
+        <p:blipFill>
+          <a:blip r:embed="rId2"/>
+          <a:stretch>
+            <a:fillRect/>
+          </a:stretch>
+        </p:blipFill>
+        <p:spPr>
+          <a:xfrm>
+            <a:off x="2970025" y="2401498"/>
+            <a:ext cx="6251950" cy="2055003"/>
+          </a:xfrm>
+          <a:prstGeom prst="rect">
+            <a:avLst/>
+          </a:prstGeom>
+        </p:spPr>
+      </p:pic>
+      <p:pic>
+        <p:nvPicPr>
+          <p:cNvPr id="8" name="Picture 7">
+            <a:extLst>
+              <a:ext uri="{FF2B5EF4-FFF2-40B4-BE49-F238E27FC236}">
+                <a16:creationId xmlns:a16="http://schemas.microsoft.com/office/drawing/2014/main" id="{1D349780-F02B-4369-85C7-99ADB13C84E7}"/>
+              </a:ext>
+            </a:extLst>
+          </p:cNvPr>
+          <p:cNvPicPr>
+            <a:picLocks noChangeAspect="1"/>
+          </p:cNvPicPr>
+          <p:nvPr/>
+        </p:nvPicPr>
+        <p:blipFill>
+          <a:blip r:embed="rId3"/>
+          <a:stretch>
+            <a:fillRect/>
+          </a:stretch>
+        </p:blipFill>
+        <p:spPr>
+          <a:xfrm>
+            <a:off x="1920745" y="2816626"/>
+            <a:ext cx="2873300" cy="3755709"/>
+          </a:xfrm>
+          <a:prstGeom prst="rect">
+            <a:avLst/>
+          </a:prstGeom>
+        </p:spPr>
+      </p:pic>
+      <p:pic>
+        <p:nvPicPr>
+          <p:cNvPr id="9" name="Picture 8">
+            <a:extLst>
+              <a:ext uri="{FF2B5EF4-FFF2-40B4-BE49-F238E27FC236}">
+                <a16:creationId xmlns:a16="http://schemas.microsoft.com/office/drawing/2014/main" id="{B2BF7972-9C83-44AC-9FBC-505629C59924}"/>
+              </a:ext>
+            </a:extLst>
+          </p:cNvPr>
+          <p:cNvPicPr>
+            <a:picLocks noChangeAspect="1"/>
+          </p:cNvPicPr>
+          <p:nvPr/>
+        </p:nvPicPr>
+        <p:blipFill>
+          <a:blip r:embed="rId4"/>
+          <a:stretch>
+            <a:fillRect/>
+          </a:stretch>
+        </p:blipFill>
+        <p:spPr>
+          <a:xfrm>
+            <a:off x="6046365" y="2114467"/>
+            <a:ext cx="5551592" cy="4457868"/>
+          </a:xfrm>
+          <a:prstGeom prst="rect">
+            <a:avLst/>
+          </a:prstGeom>
+        </p:spPr>
+      </p:pic>
+    </p:spTree>
+    <p:extLst>
+      <p:ext uri="{BB962C8B-B14F-4D97-AF65-F5344CB8AC3E}">
+        <p14:creationId xmlns:p14="http://schemas.microsoft.com/office/powerpoint/2010/main" val="112883299"/>
+      </p:ext>
+    </p:extLst>
+  </p:cSld>
+  <p:clrMapOvr>
+    <a:masterClrMapping/>
+  </p:clrMapOvr>
+  <p:timing>
+    <p:tnLst>
+      <p:par>
+        <p:cTn id="1" dur="indefinite" restart="never" nodeType="tmRoot">
+          <p:childTnLst>
+            <p:seq concurrent="1" nextAc="seek">
+              <p:cTn id="2" dur="indefinite" nodeType="mainSeq">
+                <p:childTnLst>
+                  <p:par>
+                    <p:cTn id="3" fill="hold">
+                      <p:stCondLst>
+                        <p:cond delay="indefinite"/>
+                      </p:stCondLst>
+                      <p:childTnLst>
+                        <p:par>
+                          <p:cTn id="4" fill="hold">
+                            <p:stCondLst>
+                              <p:cond delay="0"/>
+                            </p:stCondLst>
+                            <p:childTnLst>
+                              <p:par>
+                                <p:cTn id="5" presetID="2" presetClass="entr" presetSubtype="4" fill="hold" nodeType="clickEffect">
+                                  <p:stCondLst>
+                                    <p:cond delay="0"/>
+                                  </p:stCondLst>
+                                  <p:childTnLst>
+                                    <p:set>
+                                      <p:cBhvr>
+                                        <p:cTn id="6" dur="1" fill="hold">
+                                          <p:stCondLst>
+                                            <p:cond delay="0"/>
+                                          </p:stCondLst>
+                                        </p:cTn>
+                                        <p:tgtEl>
+                                          <p:spTgt spid="4"/>
+                                        </p:tgtEl>
+                                        <p:attrNameLst>
+                                          <p:attrName>style.visibility</p:attrName>
+                                        </p:attrNameLst>
+                                      </p:cBhvr>
+                                      <p:to>
+                                        <p:strVal val="visible"/>
+                                      </p:to>
+                                    </p:set>
+                                    <p:anim calcmode="lin" valueType="num">
+                                      <p:cBhvr additive="base">
+                                        <p:cTn id="7" dur="500" fill="hold"/>
+                                        <p:tgtEl>
+                                          <p:spTgt spid="4"/>
+                                        </p:tgtEl>
+                                        <p:attrNameLst>
+                                          <p:attrName>ppt_x</p:attrName>
+                                        </p:attrNameLst>
+                                      </p:cBhvr>
+                                      <p:tavLst>
+                                        <p:tav tm="0">
+                                          <p:val>
+                                            <p:strVal val="#ppt_x"/>
+                                          </p:val>
+                                        </p:tav>
+                                        <p:tav tm="100000">
+                                          <p:val>
+                                            <p:strVal val="#ppt_x"/>
+                                          </p:val>
+                                        </p:tav>
+                                      </p:tavLst>
+                                    </p:anim>
+                                    <p:anim calcmode="lin" valueType="num">
+                                      <p:cBhvr additive="base">
+                                        <p:cTn id="8" dur="500" fill="hold"/>
+                                        <p:tgtEl>
+                                          <p:spTgt spid="4"/>
+                                        </p:tgtEl>
+                                        <p:attrNameLst>
+                                          <p:attrName>ppt_y</p:attrName>
+                                        </p:attrNameLst>
+                                      </p:cBhvr>
+                                      <p:tavLst>
+                                        <p:tav tm="0">
+                                          <p:val>
+                                            <p:strVal val="1+#ppt_h/2"/>
+                                          </p:val>
+                                        </p:tav>
+                                        <p:tav tm="100000">
+                                          <p:val>
+                                            <p:strVal val="#ppt_y"/>
+                                          </p:val>
+                                        </p:tav>
+                                      </p:tavLst>
+                                    </p:anim>
+                                  </p:childTnLst>
+                                </p:cTn>
+                              </p:par>
+                            </p:childTnLst>
+                          </p:cTn>
+                        </p:par>
+                      </p:childTnLst>
+                    </p:cTn>
+                  </p:par>
+                  <p:par>
+                    <p:cTn id="9" fill="hold">
+                      <p:stCondLst>
+                        <p:cond delay="indefinite"/>
+                      </p:stCondLst>
+                      <p:childTnLst>
+                        <p:par>
+                          <p:cTn id="10" fill="hold">
+                            <p:stCondLst>
+                              <p:cond delay="0"/>
+                            </p:stCondLst>
+                            <p:childTnLst>
+                              <p:par>
+                                <p:cTn id="11" presetID="9" presetClass="emph" presetSubtype="0" nodeType="clickEffect">
+                                  <p:stCondLst>
+                                    <p:cond delay="0"/>
+                                  </p:stCondLst>
+                                  <p:childTnLst>
+                                    <p:set>
+                                      <p:cBhvr>
+                                        <p:cTn id="12" dur="indefinite"/>
+                                        <p:tgtEl>
+                                          <p:spTgt spid="4"/>
+                                        </p:tgtEl>
+                                        <p:attrNameLst>
+                                          <p:attrName>style.opacity</p:attrName>
+                                        </p:attrNameLst>
+                                      </p:cBhvr>
+                                      <p:to>
+                                        <p:strVal val="0.5"/>
+                                      </p:to>
+                                    </p:set>
+                                    <p:animEffect filter="image" prLst="opacity: 0.5">
+                                      <p:cBhvr rctx="IE">
+                                        <p:cTn id="13" dur="indefinite"/>
+                                        <p:tgtEl>
+                                          <p:spTgt spid="4"/>
+                                        </p:tgtEl>
+                                      </p:cBhvr>
+                                    </p:animEffect>
+                                  </p:childTnLst>
+                                </p:cTn>
+                              </p:par>
+                              <p:par>
+                                <p:cTn id="14" presetID="2" presetClass="entr" presetSubtype="4" fill="hold" nodeType="withEffect">
+                                  <p:stCondLst>
+                                    <p:cond delay="0"/>
+                                  </p:stCondLst>
+                                  <p:childTnLst>
+                                    <p:set>
+                                      <p:cBhvr>
+                                        <p:cTn id="15" dur="1" fill="hold">
+                                          <p:stCondLst>
+                                            <p:cond delay="0"/>
+                                          </p:stCondLst>
+                                        </p:cTn>
+                                        <p:tgtEl>
+                                          <p:spTgt spid="8"/>
+                                        </p:tgtEl>
+                                        <p:attrNameLst>
+                                          <p:attrName>style.visibility</p:attrName>
+                                        </p:attrNameLst>
+                                      </p:cBhvr>
+                                      <p:to>
+                                        <p:strVal val="visible"/>
+                                      </p:to>
+                                    </p:set>
+                                    <p:anim calcmode="lin" valueType="num">
+                                      <p:cBhvr additive="base">
+                                        <p:cTn id="16" dur="500" fill="hold"/>
+                                        <p:tgtEl>
+                                          <p:spTgt spid="8"/>
+                                        </p:tgtEl>
+                                        <p:attrNameLst>
+                                          <p:attrName>ppt_x</p:attrName>
+                                        </p:attrNameLst>
+                                      </p:cBhvr>
+                                      <p:tavLst>
+                                        <p:tav tm="0">
+                                          <p:val>
+                                            <p:strVal val="#ppt_x"/>
+                                          </p:val>
+                                        </p:tav>
+                                        <p:tav tm="100000">
+                                          <p:val>
+                                            <p:strVal val="#ppt_x"/>
+                                          </p:val>
+                                        </p:tav>
+                                      </p:tavLst>
+                                    </p:anim>
+                                    <p:anim calcmode="lin" valueType="num">
+                                      <p:cBhvr additive="base">
+                                        <p:cTn id="17" dur="500" fill="hold"/>
+                                        <p:tgtEl>
+                                          <p:spTgt spid="8"/>
+                                        </p:tgtEl>
+                                        <p:attrNameLst>
+                                          <p:attrName>ppt_y</p:attrName>
+                                        </p:attrNameLst>
+                                      </p:cBhvr>
+                                      <p:tavLst>
+                                        <p:tav tm="0">
+                                          <p:val>
+                                            <p:strVal val="1+#ppt_h/2"/>
+                                          </p:val>
+                                        </p:tav>
+                                        <p:tav tm="100000">
+                                          <p:val>
+                                            <p:strVal val="#ppt_y"/>
+                                          </p:val>
+                                        </p:tav>
+                                      </p:tavLst>
+                                    </p:anim>
+                                  </p:childTnLst>
+                                </p:cTn>
+                              </p:par>
+                              <p:par>
+                                <p:cTn id="18" presetID="2" presetClass="entr" presetSubtype="4" fill="hold" nodeType="withEffect">
+                                  <p:stCondLst>
+                                    <p:cond delay="0"/>
+                                  </p:stCondLst>
+                                  <p:childTnLst>
+                                    <p:set>
+                                      <p:cBhvr>
+                                        <p:cTn id="19" dur="1" fill="hold">
+                                          <p:stCondLst>
+                                            <p:cond delay="0"/>
+                                          </p:stCondLst>
+                                        </p:cTn>
+                                        <p:tgtEl>
+                                          <p:spTgt spid="9"/>
+                                        </p:tgtEl>
+                                        <p:attrNameLst>
+                                          <p:attrName>style.visibility</p:attrName>
+                                        </p:attrNameLst>
+                                      </p:cBhvr>
+                                      <p:to>
+                                        <p:strVal val="visible"/>
+                                      </p:to>
+                                    </p:set>
+                                    <p:anim calcmode="lin" valueType="num">
+                                      <p:cBhvr additive="base">
+                                        <p:cTn id="20" dur="500" fill="hold"/>
+                                        <p:tgtEl>
+                                          <p:spTgt spid="9"/>
+                                        </p:tgtEl>
+                                        <p:attrNameLst>
+                                          <p:attrName>ppt_x</p:attrName>
+                                        </p:attrNameLst>
+                                      </p:cBhvr>
+                                      <p:tavLst>
+                                        <p:tav tm="0">
+                                          <p:val>
+                                            <p:strVal val="#ppt_x"/>
+                                          </p:val>
+                                        </p:tav>
+                                        <p:tav tm="100000">
+                                          <p:val>
+                                            <p:strVal val="#ppt_x"/>
+                                          </p:val>
+                                        </p:tav>
+                                      </p:tavLst>
+                                    </p:anim>
+                                    <p:anim calcmode="lin" valueType="num">
+                                      <p:cBhvr additive="base">
+                                        <p:cTn id="21" dur="500" fill="hold"/>
+                                        <p:tgtEl>
+                                          <p:spTgt spid="9"/>
+                                        </p:tgtEl>
+                                        <p:attrNameLst>
+                                          <p:attrName>ppt_y</p:attrName>
+                                        </p:attrNameLst>
+                                      </p:cBhvr>
+                                      <p:tavLst>
+                                        <p:tav tm="0">
+                                          <p:val>
+                                            <p:strVal val="1+#ppt_h/2"/>
+                                          </p:val>
+                                        </p:tav>
+                                        <p:tav tm="100000">
+                                          <p:val>
+                                            <p:strVal val="#ppt_y"/>
+                                          </p:val>
+                                        </p:tav>
+                                      </p:tavLst>
+                                    </p:anim>
+                                  </p:childTnLst>
+                                </p:cTn>
+                              </p:par>
+                            </p:childTnLst>
+                          </p:cTn>
+                        </p:par>
+                      </p:childTnLst>
+                    </p:cTn>
+                  </p:par>
+                </p:childTnLst>
+              </p:cTn>
+              <p:prevCondLst>
+                <p:cond evt="onPrev" delay="0">
+                  <p:tgtEl>
+                    <p:sldTgt/>
+                  </p:tgtEl>
+                </p:cond>
+              </p:prevCondLst>
+              <p:nextCondLst>
+                <p:cond evt="onNext" delay="0">
+                  <p:tgtEl>
+                    <p:sldTgt/>
+                  </p:tgtEl>
+                </p:cond>
+              </p:nextCondLst>
+            </p:seq>
+          </p:childTnLst>
+        </p:cTn>
+      </p:par>
+    </p:tnLst>
+  </p:timing>
+</p:sld>
+</file>
+
+<file path=ppt/slides/slide11.xml><?xml version="1.0" encoding="utf-8"?>
+<p:sld xmlns:a="http://schemas.openxmlformats.org/drawingml/2006/main" xmlns:r="http://schemas.openxmlformats.org/officeDocument/2006/relationships" xmlns:p="http://schemas.openxmlformats.org/presentationml/2006/main">
+  <p:cSld>
+    <p:spTree>
+      <p:nvGrpSpPr>
+        <p:cNvPr id="1" name=""/>
+        <p:cNvGrpSpPr/>
+        <p:nvPr/>
+      </p:nvGrpSpPr>
+      <p:grpSpPr>
+        <a:xfrm>
+          <a:off x="0" y="0"/>
+          <a:ext cx="0" cy="0"/>
+          <a:chOff x="0" y="0"/>
+          <a:chExt cx="0" cy="0"/>
+        </a:xfrm>
+      </p:grpSpPr>
+      <p:sp>
+        <p:nvSpPr>
+          <p:cNvPr id="2" name="Title 1">
+            <a:extLst>
+              <a:ext uri="{FF2B5EF4-FFF2-40B4-BE49-F238E27FC236}">
+                <a16:creationId xmlns:a16="http://schemas.microsoft.com/office/drawing/2014/main" id="{ECFBA154-990D-4B0E-806C-0959011A00DF}"/>
+              </a:ext>
+            </a:extLst>
+          </p:cNvPr>
+          <p:cNvSpPr>
+            <a:spLocks noGrp="1"/>
+          </p:cNvSpPr>
+          <p:nvPr>
+            <p:ph type="title"/>
+          </p:nvPr>
+        </p:nvSpPr>
+        <p:spPr/>
+        <p:txBody>
+          <a:bodyPr/>
+          <a:lstStyle/>
+          <a:p>
+            <a:r>
+              <a:rPr lang="en-US" dirty="0"/>
+              <a:t>Consequences</a:t>
+            </a:r>
+          </a:p>
+        </p:txBody>
+      </p:sp>
+      <p:sp>
+        <p:nvSpPr>
+          <p:cNvPr id="3" name="Content Placeholder 2">
+            <a:extLst>
+              <a:ext uri="{FF2B5EF4-FFF2-40B4-BE49-F238E27FC236}">
+                <a16:creationId xmlns:a16="http://schemas.microsoft.com/office/drawing/2014/main" id="{64467CCB-F3FA-40CD-A144-0628E6525645}"/>
+              </a:ext>
+            </a:extLst>
+          </p:cNvPr>
+          <p:cNvSpPr>
+            <a:spLocks noGrp="1"/>
+          </p:cNvSpPr>
+          <p:nvPr>
+            <p:ph idx="1"/>
+          </p:nvPr>
+        </p:nvSpPr>
+        <p:spPr/>
+        <p:txBody>
+          <a:bodyPr/>
+          <a:lstStyle/>
+          <a:p>
+            <a:r>
+              <a:rPr lang="en-US" dirty="0"/>
+              <a:t>Can lead to an explosion of small decorator classes making maintenance a challenge</a:t>
+            </a:r>
+          </a:p>
+          <a:p>
+            <a:endParaRPr lang="en-US" dirty="0"/>
+          </a:p>
+          <a:p>
+            <a:r>
+              <a:rPr lang="en-US" dirty="0"/>
+              <a:t>Decorator usually coupled tightly to a specific class / interface so reuse can be a challenge</a:t>
+            </a:r>
+          </a:p>
+          <a:p>
+            <a:endParaRPr lang="en-US" dirty="0"/>
+          </a:p>
+        </p:txBody>
+      </p:sp>
+    </p:spTree>
+    <p:extLst>
+      <p:ext uri="{BB962C8B-B14F-4D97-AF65-F5344CB8AC3E}">
+        <p14:creationId xmlns:p14="http://schemas.microsoft.com/office/powerpoint/2010/main" val="3655368746"/>
+      </p:ext>
+    </p:extLst>
+  </p:cSld>
+  <p:clrMapOvr>
+    <a:masterClrMapping/>
+  </p:clrMapOvr>
+</p:sld>
+</file>
+
+<file path=ppt/slides/slide12.xml><?xml version="1.0" encoding="utf-8"?>
+<p:sld xmlns:a="http://schemas.openxmlformats.org/drawingml/2006/main" xmlns:r="http://schemas.openxmlformats.org/officeDocument/2006/relationships" xmlns:p="http://schemas.openxmlformats.org/presentationml/2006/main">
+  <p:cSld>
+    <p:spTree>
+      <p:nvGrpSpPr>
+        <p:cNvPr id="1" name=""/>
+        <p:cNvGrpSpPr/>
+        <p:nvPr/>
+      </p:nvGrpSpPr>
+      <p:grpSpPr>
+        <a:xfrm>
+          <a:off x="0" y="0"/>
+          <a:ext cx="0" cy="0"/>
+          <a:chOff x="0" y="0"/>
+          <a:chExt cx="0" cy="0"/>
+        </a:xfrm>
+      </p:grpSpPr>
+      <p:sp>
+        <p:nvSpPr>
+          <p:cNvPr id="2" name="Title 1">
+            <a:extLst>
+              <a:ext uri="{FF2B5EF4-FFF2-40B4-BE49-F238E27FC236}">
+                <a16:creationId xmlns:a16="http://schemas.microsoft.com/office/drawing/2014/main" id="{EF51360B-3924-4FAB-9C6B-2E12BB94E6E7}"/>
+              </a:ext>
+            </a:extLst>
+          </p:cNvPr>
+          <p:cNvSpPr>
+            <a:spLocks noGrp="1"/>
+          </p:cNvSpPr>
+          <p:nvPr>
+            <p:ph type="title"/>
+          </p:nvPr>
+        </p:nvSpPr>
+        <p:spPr/>
+        <p:txBody>
+          <a:bodyPr>
+            <a:normAutofit/>
+          </a:bodyPr>
+          <a:lstStyle/>
+          <a:p>
+            <a:pPr algn="ctr"/>
+            <a:r>
+              <a:rPr lang="en-US" sz="7200" dirty="0"/>
+              <a:t>Disclaimer</a:t>
+            </a:r>
+          </a:p>
+        </p:txBody>
+      </p:sp>
+      <p:pic>
+        <p:nvPicPr>
+          <p:cNvPr id="6146" name="Picture 2" descr="Image result for everything looks like a nail">
+            <a:extLst>
+              <a:ext uri="{FF2B5EF4-FFF2-40B4-BE49-F238E27FC236}">
+                <a16:creationId xmlns:a16="http://schemas.microsoft.com/office/drawing/2014/main" id="{5B43873D-0E93-492B-86B3-31EE767DD4BF}"/>
+              </a:ext>
+            </a:extLst>
+          </p:cNvPr>
+          <p:cNvPicPr>
+            <a:picLocks noChangeAspect="1" noChangeArrowheads="1"/>
+          </p:cNvPicPr>
+          <p:nvPr/>
+        </p:nvPicPr>
+        <p:blipFill>
+          <a:blip r:embed="rId2">
+            <a:extLst>
+              <a:ext uri="{28A0092B-C50C-407E-A947-70E740481C1C}">
+                <a14:useLocalDpi xmlns:a14="http://schemas.microsoft.com/office/drawing/2010/main" val="0"/>
+              </a:ext>
+            </a:extLst>
+          </a:blip>
+          <a:srcRect/>
+          <a:stretch>
+            <a:fillRect/>
+          </a:stretch>
+        </p:blipFill>
+        <p:spPr bwMode="auto">
+          <a:xfrm>
+            <a:off x="3713162" y="2150204"/>
+            <a:ext cx="4762500" cy="4000500"/>
+          </a:xfrm>
+          <a:prstGeom prst="rect">
+            <a:avLst/>
+          </a:prstGeom>
+          <a:noFill/>
+          <a:extLst>
+            <a:ext uri="{909E8E84-426E-40DD-AFC4-6F175D3DCCD1}">
+              <a14:hiddenFill xmlns:a14="http://schemas.microsoft.com/office/drawing/2010/main">
+                <a:solidFill>
+                  <a:srgbClr val="FFFFFF"/>
+                </a:solidFill>
+              </a14:hiddenFill>
+            </a:ext>
+          </a:extLst>
+        </p:spPr>
+      </p:pic>
+    </p:spTree>
+    <p:extLst>
+      <p:ext uri="{BB962C8B-B14F-4D97-AF65-F5344CB8AC3E}">
+        <p14:creationId xmlns:p14="http://schemas.microsoft.com/office/powerpoint/2010/main" val="3122412643"/>
+      </p:ext>
+    </p:extLst>
+  </p:cSld>
+  <p:clrMapOvr>
+    <a:masterClrMapping/>
+  </p:clrMapOvr>
+</p:sld>
+</file>
+
+<file path=ppt/slides/slide13.xml><?xml version="1.0" encoding="utf-8"?>
+<p:sld xmlns:a="http://schemas.openxmlformats.org/drawingml/2006/main" xmlns:r="http://schemas.openxmlformats.org/officeDocument/2006/relationships" xmlns:p="http://schemas.openxmlformats.org/presentationml/2006/main">
+  <p:cSld>
+    <p:spTree>
+      <p:nvGrpSpPr>
+        <p:cNvPr id="1" name=""/>
+        <p:cNvGrpSpPr/>
+        <p:nvPr/>
+      </p:nvGrpSpPr>
+      <p:grpSpPr>
+        <a:xfrm>
+          <a:off x="0" y="0"/>
+          <a:ext cx="0" cy="0"/>
+          <a:chOff x="0" y="0"/>
+          <a:chExt cx="0" cy="0"/>
+        </a:xfrm>
+      </p:grpSpPr>
+      <p:sp>
+        <p:nvSpPr>
+          <p:cNvPr id="2" name="Title 1">
+            <a:extLst>
+              <a:ext uri="{FF2B5EF4-FFF2-40B4-BE49-F238E27FC236}">
+                <a16:creationId xmlns:a16="http://schemas.microsoft.com/office/drawing/2014/main" id="{2FC24BC6-5CF5-43A5-B78C-56AE8B957BD3}"/>
+              </a:ext>
+            </a:extLst>
+          </p:cNvPr>
+          <p:cNvSpPr>
+            <a:spLocks noGrp="1"/>
+          </p:cNvSpPr>
+          <p:nvPr>
+            <p:ph type="title"/>
+          </p:nvPr>
+        </p:nvSpPr>
+        <p:spPr/>
+        <p:txBody>
+          <a:bodyPr/>
+          <a:lstStyle/>
+          <a:p>
+            <a:r>
+              <a:rPr lang="en-US" dirty="0"/>
+              <a:t>resources</a:t>
+            </a:r>
+          </a:p>
+        </p:txBody>
+      </p:sp>
+      <p:sp>
+        <p:nvSpPr>
+          <p:cNvPr id="3" name="Content Placeholder 2">
+            <a:extLst>
+              <a:ext uri="{FF2B5EF4-FFF2-40B4-BE49-F238E27FC236}">
+                <a16:creationId xmlns:a16="http://schemas.microsoft.com/office/drawing/2014/main" id="{6D9A9FC0-6B21-46CA-8110-013E9E6FD515}"/>
+              </a:ext>
+            </a:extLst>
+          </p:cNvPr>
+          <p:cNvSpPr>
+            <a:spLocks noGrp="1"/>
+          </p:cNvSpPr>
+          <p:nvPr>
+            <p:ph idx="1"/>
+          </p:nvPr>
+        </p:nvSpPr>
+        <p:spPr/>
+        <p:txBody>
+          <a:bodyPr/>
+          <a:lstStyle/>
+          <a:p>
+            <a:r>
+              <a:rPr lang="en-US" dirty="0"/>
+              <a:t>Slides &amp; </a:t>
+            </a:r>
+            <a:r>
+              <a:rPr lang="en-US" dirty="0" err="1"/>
+              <a:t>c#</a:t>
+            </a:r>
+            <a:r>
+              <a:rPr lang="en-US" dirty="0"/>
+              <a:t> example - </a:t>
+            </a:r>
+            <a:r>
+              <a:rPr lang="en-US" dirty="0">
+                <a:hlinkClick r:id="rId2"/>
+              </a:rPr>
+              <a:t>https://github.com/BrianMCox/DecoratorExample</a:t>
+            </a:r>
+            <a:endParaRPr lang="en-US" dirty="0"/>
+          </a:p>
+          <a:p>
+            <a:r>
+              <a:rPr lang="en-US" dirty="0"/>
+              <a:t>Typescript example - </a:t>
+            </a:r>
+            <a:r>
+              <a:rPr lang="en-US" dirty="0">
+                <a:hlinkClick r:id="rId3"/>
+              </a:rPr>
+              <a:t>https://codesandbox.io/s/typescript-decorator-example-fgriu</a:t>
+            </a:r>
+            <a:endParaRPr lang="en-US" dirty="0"/>
+          </a:p>
+        </p:txBody>
+      </p:sp>
+    </p:spTree>
+    <p:extLst>
+      <p:ext uri="{BB962C8B-B14F-4D97-AF65-F5344CB8AC3E}">
+        <p14:creationId xmlns:p14="http://schemas.microsoft.com/office/powerpoint/2010/main" val="1418025035"/>
+      </p:ext>
+    </p:extLst>
+  </p:cSld>
+  <p:clrMapOvr>
+    <a:masterClrMapping/>
+  </p:clrMapOvr>
+</p:sld>
+</file>
+
 <file path=ppt/slides/slide2.xml><?xml version="1.0" encoding="utf-8"?>
 <p:sld xmlns:a="http://schemas.openxmlformats.org/drawingml/2006/main" xmlns:r="http://schemas.openxmlformats.org/officeDocument/2006/relationships" xmlns:p="http://schemas.openxmlformats.org/presentationml/2006/main">
   <p:cSld>
@@ -9807,7 +10601,7 @@
                   <a:schemeClr val="accent1"/>
                 </a:solidFill>
               </a:rPr>
-              <a:t>Type</a:t>
+              <a:t>type</a:t>
             </a:r>
             <a:r>
               <a:rPr lang="en-US" sz="1800" dirty="0"/>
@@ -9821,7 +10615,7 @@
                   <a:schemeClr val="accent1"/>
                 </a:solidFill>
               </a:rPr>
-              <a:t>Intent</a:t>
+              <a:t>intent</a:t>
             </a:r>
             <a:r>
               <a:rPr lang="en-US" sz="1800" dirty="0"/>
@@ -9975,6 +10769,58 @@
           </a:extLst>
         </p:spPr>
       </p:pic>
+      <p:sp>
+        <p:nvSpPr>
+          <p:cNvPr id="4" name="Rectangle 3">
+            <a:extLst>
+              <a:ext uri="{FF2B5EF4-FFF2-40B4-BE49-F238E27FC236}">
+                <a16:creationId xmlns:a16="http://schemas.microsoft.com/office/drawing/2014/main" id="{42CEF68B-2AB2-4BD1-8E90-80B45E394646}"/>
+              </a:ext>
+            </a:extLst>
+          </p:cNvPr>
+          <p:cNvSpPr/>
+          <p:nvPr/>
+        </p:nvSpPr>
+        <p:spPr>
+          <a:xfrm>
+            <a:off x="7491669" y="5883275"/>
+            <a:ext cx="1380506" cy="461665"/>
+          </a:xfrm>
+          <a:prstGeom prst="rect">
+            <a:avLst/>
+          </a:prstGeom>
+        </p:spPr>
+        <p:txBody>
+          <a:bodyPr wrap="none">
+            <a:spAutoFit/>
+          </a:bodyPr>
+          <a:lstStyle/>
+          <a:p>
+            <a:r>
+              <a:rPr lang="en-US" sz="2400" b="1" cap="small" dirty="0">
+                <a:solidFill>
+                  <a:schemeClr val="accent1"/>
+                </a:solidFill>
+                <a:effectLst>
+                  <a:glow rad="38100">
+                    <a:schemeClr val="bg1">
+                      <a:lumMod val="50000"/>
+                      <a:lumOff val="50000"/>
+                      <a:alpha val="20000"/>
+                    </a:schemeClr>
+                  </a:glow>
+                  <a:outerShdw blurRad="44450" dist="12700" dir="13860000" algn="tl" rotWithShape="0">
+                    <a:srgbClr val="000000">
+                      <a:alpha val="20000"/>
+                    </a:srgbClr>
+                  </a:outerShdw>
+                </a:effectLst>
+              </a:rPr>
+              <a:t>Solution</a:t>
+            </a:r>
+          </a:p>
+        </p:txBody>
+      </p:sp>
     </p:spTree>
     <p:extLst>
       <p:ext uri="{BB962C8B-B14F-4D97-AF65-F5344CB8AC3E}">
@@ -10063,76 +10909,92 @@
         </p:spPr>
         <p:txBody>
           <a:bodyPr>
-            <a:normAutofit fontScale="92500" lnSpcReduction="20000"/>
+            <a:normAutofit/>
           </a:bodyPr>
           <a:lstStyle/>
           <a:p>
             <a:r>
-              <a:rPr lang="en-US"/>
+              <a:rPr lang="en-US" dirty="0"/>
               <a:t>Examples</a:t>
             </a:r>
           </a:p>
           <a:p>
             <a:pPr lvl="1"/>
             <a:r>
-              <a:rPr lang="en-US"/>
-              <a:t>Common demos include adding logging or timing to methods</a:t>
+              <a:rPr lang="en-US" dirty="0"/>
+              <a:t>Common demos include adding logging or timing to methods  (</a:t>
+            </a:r>
+            <a:r>
+              <a:rPr lang="en-US" dirty="0">
+                <a:solidFill>
+                  <a:schemeClr val="accent4"/>
+                </a:solidFill>
+              </a:rPr>
+              <a:t>spoiler alert</a:t>
+            </a:r>
+            <a:r>
+              <a:rPr lang="en-US" dirty="0"/>
+              <a:t>)</a:t>
             </a:r>
           </a:p>
           <a:p>
             <a:pPr lvl="1"/>
             <a:r>
-              <a:rPr lang="en-US"/>
-              <a:t>Stream decorators in C# - BufferedStream, CryptoStream, GZipStream</a:t>
+              <a:rPr lang="en-US" dirty="0"/>
+              <a:t>Stream decorators in C# - </a:t>
             </a:r>
-          </a:p>
-          <a:p>
             <a:r>
-              <a:rPr lang="en-US"/>
+              <a:rPr lang="en-US" dirty="0" err="1"/>
+              <a:t>BufferedStream</a:t>
+            </a:r>
+            <a:r>
+              <a:rPr lang="en-US" dirty="0"/>
+              <a:t>, </a:t>
+            </a:r>
+            <a:r>
+              <a:rPr lang="en-US" dirty="0" err="1"/>
+              <a:t>CryptoStream</a:t>
+            </a:r>
+            <a:r>
+              <a:rPr lang="en-US" dirty="0"/>
+              <a:t>, </a:t>
+            </a:r>
+            <a:r>
+              <a:rPr lang="en-US" dirty="0" err="1"/>
+              <a:t>GZipStream</a:t>
+            </a:r>
+            <a:endParaRPr lang="en-US" dirty="0"/>
+          </a:p>
+          <a:p>
+            <a:pPr lvl="1"/>
+            <a:endParaRPr lang="en-US" dirty="0"/>
+          </a:p>
+          <a:p>
+            <a:r>
+              <a:rPr lang="en-US" dirty="0"/>
               <a:t>Pros</a:t>
             </a:r>
           </a:p>
           <a:p>
             <a:pPr lvl="1"/>
             <a:r>
-              <a:rPr lang="en-US"/>
+              <a:rPr lang="en-US" dirty="0"/>
               <a:t>Runtime rather than compile time, more flexibility</a:t>
             </a:r>
           </a:p>
           <a:p>
             <a:pPr lvl="1"/>
             <a:r>
-              <a:rPr lang="en-US"/>
+              <a:rPr lang="en-US" dirty="0"/>
               <a:t>Open / Closed Principle</a:t>
             </a:r>
           </a:p>
           <a:p>
             <a:pPr lvl="1"/>
             <a:r>
-              <a:rPr lang="en-US"/>
+              <a:rPr lang="en-US" dirty="0"/>
               <a:t>Help deal with permutation issues</a:t>
             </a:r>
-          </a:p>
-          <a:p>
-            <a:r>
-              <a:rPr lang="en-US"/>
-              <a:t>Cons</a:t>
-            </a:r>
-          </a:p>
-          <a:p>
-            <a:pPr lvl="1"/>
-            <a:r>
-              <a:rPr lang="en-US"/>
-              <a:t>Can result in many small objects</a:t>
-            </a:r>
-          </a:p>
-          <a:p>
-            <a:pPr lvl="1"/>
-            <a:r>
-              <a:rPr lang="en-US"/>
-              <a:t>Decorator usually coupled tightly to a specific class / interface</a:t>
-            </a:r>
-            <a:endParaRPr lang="en-US" dirty="0"/>
           </a:p>
         </p:txBody>
       </p:sp>
@@ -11138,16 +12000,19 @@
         </p:nvSpPr>
         <p:spPr>
           <a:xfrm>
-            <a:off x="1141413" y="609600"/>
-            <a:ext cx="9905998" cy="1905000"/>
+            <a:off x="1143001" y="2752288"/>
+            <a:ext cx="9905998" cy="1353424"/>
           </a:xfrm>
         </p:spPr>
         <p:txBody>
-          <a:bodyPr/>
+          <a:bodyPr>
+            <a:normAutofit/>
+          </a:bodyPr>
           <a:lstStyle/>
           <a:p>
+            <a:pPr algn="ctr"/>
             <a:r>
-              <a:rPr lang="en-US" dirty="0"/>
+              <a:rPr lang="en-US" sz="8000" b="1" dirty="0"/>
               <a:t>Demo</a:t>
             </a:r>
           </a:p>
@@ -11183,43 +12048,12 @@
           <a:chExt cx="0" cy="0"/>
         </a:xfrm>
       </p:grpSpPr>
-      <p:sp>
-        <p:nvSpPr>
-          <p:cNvPr id="2" name="Title 1">
+      <p:pic>
+        <p:nvPicPr>
+          <p:cNvPr id="1026" name="Picture 2" descr="https://139hzkajk0a3r37794bthki2-wpengine.netdna-ssl.com/wp-content/uploads/2018/05/Life-Isnt-Always-Rainbows-and-Unicorns.png">
             <a:extLst>
               <a:ext uri="{FF2B5EF4-FFF2-40B4-BE49-F238E27FC236}">
-                <a16:creationId xmlns:a16="http://schemas.microsoft.com/office/drawing/2014/main" id="{EF51360B-3924-4FAB-9C6B-2E12BB94E6E7}"/>
-              </a:ext>
-            </a:extLst>
-          </p:cNvPr>
-          <p:cNvSpPr>
-            <a:spLocks noGrp="1"/>
-          </p:cNvSpPr>
-          <p:nvPr>
-            <p:ph type="title"/>
-          </p:nvPr>
-        </p:nvSpPr>
-        <p:spPr/>
-        <p:txBody>
-          <a:bodyPr>
-            <a:normAutofit/>
-          </a:bodyPr>
-          <a:lstStyle/>
-          <a:p>
-            <a:pPr algn="ctr"/>
-            <a:r>
-              <a:rPr lang="en-US" sz="7200" dirty="0"/>
-              <a:t>Disclaimer</a:t>
-            </a:r>
-          </a:p>
-        </p:txBody>
-      </p:sp>
-      <p:pic>
-        <p:nvPicPr>
-          <p:cNvPr id="6146" name="Picture 2" descr="Image result for everything looks like a nail">
-            <a:extLst>
-              <a:ext uri="{FF2B5EF4-FFF2-40B4-BE49-F238E27FC236}">
-                <a16:creationId xmlns:a16="http://schemas.microsoft.com/office/drawing/2014/main" id="{5B43873D-0E93-492B-86B3-31EE767DD4BF}"/>
+                <a16:creationId xmlns:a16="http://schemas.microsoft.com/office/drawing/2014/main" id="{1A6AF9F9-EB0A-40BC-9874-5A988F4A6DAB}"/>
               </a:ext>
             </a:extLst>
           </p:cNvPr>
@@ -11243,13 +12077,18 @@
         </p:blipFill>
         <p:spPr bwMode="auto">
           <a:xfrm>
-            <a:off x="3713162" y="2150204"/>
-            <a:ext cx="4762500" cy="4000500"/>
+            <a:off x="427993" y="658504"/>
+            <a:ext cx="11332838" cy="5540991"/>
           </a:xfrm>
           <a:prstGeom prst="rect">
             <a:avLst/>
           </a:prstGeom>
           <a:noFill/>
+          <a:ln w="76200">
+            <a:solidFill>
+              <a:schemeClr val="tx1"/>
+            </a:solidFill>
+          </a:ln>
           <a:extLst>
             <a:ext uri="{909E8E84-426E-40DD-AFC4-6F175D3DCCD1}">
               <a14:hiddenFill xmlns:a14="http://schemas.microsoft.com/office/drawing/2010/main">
@@ -11261,16 +12100,1042 @@
           </a:extLst>
         </p:spPr>
       </p:pic>
+      <p:sp>
+        <p:nvSpPr>
+          <p:cNvPr id="2" name="Title 1">
+            <a:extLst>
+              <a:ext uri="{FF2B5EF4-FFF2-40B4-BE49-F238E27FC236}">
+                <a16:creationId xmlns:a16="http://schemas.microsoft.com/office/drawing/2014/main" id="{A3D37BCD-DD0F-4AB9-BF4B-7CC649B1DF1C}"/>
+              </a:ext>
+            </a:extLst>
+          </p:cNvPr>
+          <p:cNvSpPr>
+            <a:spLocks noGrp="1"/>
+          </p:cNvSpPr>
+          <p:nvPr>
+            <p:ph type="title"/>
+          </p:nvPr>
+        </p:nvSpPr>
+        <p:spPr>
+          <a:xfrm>
+            <a:off x="1141412" y="134224"/>
+            <a:ext cx="9905998" cy="922789"/>
+          </a:xfrm>
+        </p:spPr>
+        <p:txBody>
+          <a:bodyPr/>
+          <a:lstStyle/>
+          <a:p>
+            <a:r>
+              <a:rPr lang="en-US" dirty="0"/>
+              <a:t>Real World Example</a:t>
+            </a:r>
+          </a:p>
+        </p:txBody>
+      </p:sp>
+      <p:pic>
+        <p:nvPicPr>
+          <p:cNvPr id="4" name="Picture 3">
+            <a:extLst>
+              <a:ext uri="{FF2B5EF4-FFF2-40B4-BE49-F238E27FC236}">
+                <a16:creationId xmlns:a16="http://schemas.microsoft.com/office/drawing/2014/main" id="{96BFEFC3-3B8E-48B7-9721-0A8AD753BE82}"/>
+              </a:ext>
+            </a:extLst>
+          </p:cNvPr>
+          <p:cNvPicPr>
+            <a:picLocks noChangeAspect="1"/>
+          </p:cNvPicPr>
+          <p:nvPr/>
+        </p:nvPicPr>
+        <p:blipFill>
+          <a:blip r:embed="rId3"/>
+          <a:stretch>
+            <a:fillRect/>
+          </a:stretch>
+        </p:blipFill>
+        <p:spPr>
+          <a:xfrm>
+            <a:off x="460373" y="992408"/>
+            <a:ext cx="11268075" cy="2600325"/>
+          </a:xfrm>
+          <a:prstGeom prst="rect">
+            <a:avLst/>
+          </a:prstGeom>
+          <a:ln w="38100">
+            <a:solidFill>
+              <a:schemeClr val="tx1"/>
+            </a:solidFill>
+          </a:ln>
+        </p:spPr>
+      </p:pic>
+      <p:pic>
+        <p:nvPicPr>
+          <p:cNvPr id="5" name="Picture 4">
+            <a:extLst>
+              <a:ext uri="{FF2B5EF4-FFF2-40B4-BE49-F238E27FC236}">
+                <a16:creationId xmlns:a16="http://schemas.microsoft.com/office/drawing/2014/main" id="{7D00697E-F9D4-469D-BCCC-7044F5160E9B}"/>
+              </a:ext>
+            </a:extLst>
+          </p:cNvPr>
+          <p:cNvPicPr>
+            <a:picLocks noChangeAspect="1"/>
+          </p:cNvPicPr>
+          <p:nvPr/>
+        </p:nvPicPr>
+        <p:blipFill rotWithShape="1">
+          <a:blip r:embed="rId4"/>
+          <a:srcRect t="16982"/>
+          <a:stretch/>
+        </p:blipFill>
+        <p:spPr>
+          <a:xfrm>
+            <a:off x="460373" y="1497106"/>
+            <a:ext cx="11332837" cy="3510930"/>
+          </a:xfrm>
+          <a:prstGeom prst="rect">
+            <a:avLst/>
+          </a:prstGeom>
+          <a:ln w="38100">
+            <a:solidFill>
+              <a:schemeClr val="tx1"/>
+            </a:solidFill>
+          </a:ln>
+        </p:spPr>
+      </p:pic>
+      <p:pic>
+        <p:nvPicPr>
+          <p:cNvPr id="6" name="Picture 5">
+            <a:extLst>
+              <a:ext uri="{FF2B5EF4-FFF2-40B4-BE49-F238E27FC236}">
+                <a16:creationId xmlns:a16="http://schemas.microsoft.com/office/drawing/2014/main" id="{946DF432-C251-47E1-81BD-BD4A0C2F4C68}"/>
+              </a:ext>
+            </a:extLst>
+          </p:cNvPr>
+          <p:cNvPicPr>
+            <a:picLocks noChangeAspect="1"/>
+          </p:cNvPicPr>
+          <p:nvPr/>
+        </p:nvPicPr>
+        <p:blipFill>
+          <a:blip r:embed="rId5"/>
+          <a:stretch>
+            <a:fillRect/>
+          </a:stretch>
+        </p:blipFill>
+        <p:spPr>
+          <a:xfrm>
+            <a:off x="836610" y="1979295"/>
+            <a:ext cx="10210800" cy="4362450"/>
+          </a:xfrm>
+          <a:prstGeom prst="rect">
+            <a:avLst/>
+          </a:prstGeom>
+          <a:ln w="38100">
+            <a:solidFill>
+              <a:schemeClr val="tx1"/>
+            </a:solidFill>
+          </a:ln>
+        </p:spPr>
+      </p:pic>
     </p:spTree>
     <p:extLst>
       <p:ext uri="{BB962C8B-B14F-4D97-AF65-F5344CB8AC3E}">
-        <p14:creationId xmlns:p14="http://schemas.microsoft.com/office/powerpoint/2010/main" val="3122412643"/>
+        <p14:creationId xmlns:p14="http://schemas.microsoft.com/office/powerpoint/2010/main" val="1300141095"/>
       </p:ext>
     </p:extLst>
   </p:cSld>
   <p:clrMapOvr>
     <a:masterClrMapping/>
   </p:clrMapOvr>
+  <p:timing>
+    <p:tnLst>
+      <p:par>
+        <p:cTn id="1" dur="indefinite" restart="never" nodeType="tmRoot">
+          <p:childTnLst>
+            <p:seq concurrent="1" nextAc="seek">
+              <p:cTn id="2" dur="indefinite" nodeType="mainSeq">
+                <p:childTnLst>
+                  <p:par>
+                    <p:cTn id="3" fill="hold">
+                      <p:stCondLst>
+                        <p:cond delay="indefinite"/>
+                      </p:stCondLst>
+                      <p:childTnLst>
+                        <p:par>
+                          <p:cTn id="4" fill="hold">
+                            <p:stCondLst>
+                              <p:cond delay="0"/>
+                            </p:stCondLst>
+                            <p:childTnLst>
+                              <p:par>
+                                <p:cTn id="5" presetID="10" presetClass="exit" presetSubtype="0" fill="hold" nodeType="clickEffect">
+                                  <p:stCondLst>
+                                    <p:cond delay="0"/>
+                                  </p:stCondLst>
+                                  <p:childTnLst>
+                                    <p:animEffect transition="out" filter="fade">
+                                      <p:cBhvr>
+                                        <p:cTn id="6" dur="500"/>
+                                        <p:tgtEl>
+                                          <p:spTgt spid="1026"/>
+                                        </p:tgtEl>
+                                      </p:cBhvr>
+                                    </p:animEffect>
+                                    <p:set>
+                                      <p:cBhvr>
+                                        <p:cTn id="7" dur="1" fill="hold">
+                                          <p:stCondLst>
+                                            <p:cond delay="499"/>
+                                          </p:stCondLst>
+                                        </p:cTn>
+                                        <p:tgtEl>
+                                          <p:spTgt spid="1026"/>
+                                        </p:tgtEl>
+                                        <p:attrNameLst>
+                                          <p:attrName>style.visibility</p:attrName>
+                                        </p:attrNameLst>
+                                      </p:cBhvr>
+                                      <p:to>
+                                        <p:strVal val="hidden"/>
+                                      </p:to>
+                                    </p:set>
+                                  </p:childTnLst>
+                                </p:cTn>
+                              </p:par>
+                            </p:childTnLst>
+                          </p:cTn>
+                        </p:par>
+                        <p:par>
+                          <p:cTn id="8" fill="hold">
+                            <p:stCondLst>
+                              <p:cond delay="500"/>
+                            </p:stCondLst>
+                            <p:childTnLst>
+                              <p:par>
+                                <p:cTn id="9" presetID="10" presetClass="entr" presetSubtype="0" fill="hold" grpId="0" nodeType="afterEffect">
+                                  <p:stCondLst>
+                                    <p:cond delay="0"/>
+                                  </p:stCondLst>
+                                  <p:childTnLst>
+                                    <p:set>
+                                      <p:cBhvr>
+                                        <p:cTn id="10" dur="1" fill="hold">
+                                          <p:stCondLst>
+                                            <p:cond delay="0"/>
+                                          </p:stCondLst>
+                                        </p:cTn>
+                                        <p:tgtEl>
+                                          <p:spTgt spid="2"/>
+                                        </p:tgtEl>
+                                        <p:attrNameLst>
+                                          <p:attrName>style.visibility</p:attrName>
+                                        </p:attrNameLst>
+                                      </p:cBhvr>
+                                      <p:to>
+                                        <p:strVal val="visible"/>
+                                      </p:to>
+                                    </p:set>
+                                    <p:animEffect transition="in" filter="fade">
+                                      <p:cBhvr>
+                                        <p:cTn id="11" dur="500"/>
+                                        <p:tgtEl>
+                                          <p:spTgt spid="2"/>
+                                        </p:tgtEl>
+                                      </p:cBhvr>
+                                    </p:animEffect>
+                                  </p:childTnLst>
+                                </p:cTn>
+                              </p:par>
+                              <p:par>
+                                <p:cTn id="12" presetID="2" presetClass="entr" presetSubtype="4" fill="hold" nodeType="withEffect">
+                                  <p:stCondLst>
+                                    <p:cond delay="0"/>
+                                  </p:stCondLst>
+                                  <p:childTnLst>
+                                    <p:set>
+                                      <p:cBhvr>
+                                        <p:cTn id="13" dur="1" fill="hold">
+                                          <p:stCondLst>
+                                            <p:cond delay="0"/>
+                                          </p:stCondLst>
+                                        </p:cTn>
+                                        <p:tgtEl>
+                                          <p:spTgt spid="4"/>
+                                        </p:tgtEl>
+                                        <p:attrNameLst>
+                                          <p:attrName>style.visibility</p:attrName>
+                                        </p:attrNameLst>
+                                      </p:cBhvr>
+                                      <p:to>
+                                        <p:strVal val="visible"/>
+                                      </p:to>
+                                    </p:set>
+                                    <p:anim calcmode="lin" valueType="num">
+                                      <p:cBhvr additive="base">
+                                        <p:cTn id="14" dur="500" fill="hold"/>
+                                        <p:tgtEl>
+                                          <p:spTgt spid="4"/>
+                                        </p:tgtEl>
+                                        <p:attrNameLst>
+                                          <p:attrName>ppt_x</p:attrName>
+                                        </p:attrNameLst>
+                                      </p:cBhvr>
+                                      <p:tavLst>
+                                        <p:tav tm="0">
+                                          <p:val>
+                                            <p:strVal val="#ppt_x"/>
+                                          </p:val>
+                                        </p:tav>
+                                        <p:tav tm="100000">
+                                          <p:val>
+                                            <p:strVal val="#ppt_x"/>
+                                          </p:val>
+                                        </p:tav>
+                                      </p:tavLst>
+                                    </p:anim>
+                                    <p:anim calcmode="lin" valueType="num">
+                                      <p:cBhvr additive="base">
+                                        <p:cTn id="15" dur="500" fill="hold"/>
+                                        <p:tgtEl>
+                                          <p:spTgt spid="4"/>
+                                        </p:tgtEl>
+                                        <p:attrNameLst>
+                                          <p:attrName>ppt_y</p:attrName>
+                                        </p:attrNameLst>
+                                      </p:cBhvr>
+                                      <p:tavLst>
+                                        <p:tav tm="0">
+                                          <p:val>
+                                            <p:strVal val="1+#ppt_h/2"/>
+                                          </p:val>
+                                        </p:tav>
+                                        <p:tav tm="100000">
+                                          <p:val>
+                                            <p:strVal val="#ppt_y"/>
+                                          </p:val>
+                                        </p:tav>
+                                      </p:tavLst>
+                                    </p:anim>
+                                  </p:childTnLst>
+                                </p:cTn>
+                              </p:par>
+                            </p:childTnLst>
+                          </p:cTn>
+                        </p:par>
+                      </p:childTnLst>
+                    </p:cTn>
+                  </p:par>
+                  <p:par>
+                    <p:cTn id="16" fill="hold">
+                      <p:stCondLst>
+                        <p:cond delay="indefinite"/>
+                      </p:stCondLst>
+                      <p:childTnLst>
+                        <p:par>
+                          <p:cTn id="17" fill="hold">
+                            <p:stCondLst>
+                              <p:cond delay="0"/>
+                            </p:stCondLst>
+                            <p:childTnLst>
+                              <p:par>
+                                <p:cTn id="18" presetID="9" presetClass="emph" presetSubtype="0" nodeType="clickEffect">
+                                  <p:stCondLst>
+                                    <p:cond delay="0"/>
+                                  </p:stCondLst>
+                                  <p:childTnLst>
+                                    <p:set>
+                                      <p:cBhvr>
+                                        <p:cTn id="19" dur="indefinite"/>
+                                        <p:tgtEl>
+                                          <p:spTgt spid="4"/>
+                                        </p:tgtEl>
+                                        <p:attrNameLst>
+                                          <p:attrName>style.opacity</p:attrName>
+                                        </p:attrNameLst>
+                                      </p:cBhvr>
+                                      <p:to>
+                                        <p:strVal val="0.5"/>
+                                      </p:to>
+                                    </p:set>
+                                    <p:animEffect filter="image" prLst="opacity: 0.5">
+                                      <p:cBhvr rctx="IE">
+                                        <p:cTn id="20" dur="indefinite"/>
+                                        <p:tgtEl>
+                                          <p:spTgt spid="4"/>
+                                        </p:tgtEl>
+                                      </p:cBhvr>
+                                    </p:animEffect>
+                                  </p:childTnLst>
+                                </p:cTn>
+                              </p:par>
+                              <p:par>
+                                <p:cTn id="21" presetID="2" presetClass="entr" presetSubtype="4" fill="hold" nodeType="withEffect">
+                                  <p:stCondLst>
+                                    <p:cond delay="0"/>
+                                  </p:stCondLst>
+                                  <p:childTnLst>
+                                    <p:set>
+                                      <p:cBhvr>
+                                        <p:cTn id="22" dur="1" fill="hold">
+                                          <p:stCondLst>
+                                            <p:cond delay="0"/>
+                                          </p:stCondLst>
+                                        </p:cTn>
+                                        <p:tgtEl>
+                                          <p:spTgt spid="5"/>
+                                        </p:tgtEl>
+                                        <p:attrNameLst>
+                                          <p:attrName>style.visibility</p:attrName>
+                                        </p:attrNameLst>
+                                      </p:cBhvr>
+                                      <p:to>
+                                        <p:strVal val="visible"/>
+                                      </p:to>
+                                    </p:set>
+                                    <p:anim calcmode="lin" valueType="num">
+                                      <p:cBhvr additive="base">
+                                        <p:cTn id="23" dur="500" fill="hold"/>
+                                        <p:tgtEl>
+                                          <p:spTgt spid="5"/>
+                                        </p:tgtEl>
+                                        <p:attrNameLst>
+                                          <p:attrName>ppt_x</p:attrName>
+                                        </p:attrNameLst>
+                                      </p:cBhvr>
+                                      <p:tavLst>
+                                        <p:tav tm="0">
+                                          <p:val>
+                                            <p:strVal val="#ppt_x"/>
+                                          </p:val>
+                                        </p:tav>
+                                        <p:tav tm="100000">
+                                          <p:val>
+                                            <p:strVal val="#ppt_x"/>
+                                          </p:val>
+                                        </p:tav>
+                                      </p:tavLst>
+                                    </p:anim>
+                                    <p:anim calcmode="lin" valueType="num">
+                                      <p:cBhvr additive="base">
+                                        <p:cTn id="24" dur="500" fill="hold"/>
+                                        <p:tgtEl>
+                                          <p:spTgt spid="5"/>
+                                        </p:tgtEl>
+                                        <p:attrNameLst>
+                                          <p:attrName>ppt_y</p:attrName>
+                                        </p:attrNameLst>
+                                      </p:cBhvr>
+                                      <p:tavLst>
+                                        <p:tav tm="0">
+                                          <p:val>
+                                            <p:strVal val="1+#ppt_h/2"/>
+                                          </p:val>
+                                        </p:tav>
+                                        <p:tav tm="100000">
+                                          <p:val>
+                                            <p:strVal val="#ppt_y"/>
+                                          </p:val>
+                                        </p:tav>
+                                      </p:tavLst>
+                                    </p:anim>
+                                  </p:childTnLst>
+                                </p:cTn>
+                              </p:par>
+                            </p:childTnLst>
+                          </p:cTn>
+                        </p:par>
+                      </p:childTnLst>
+                    </p:cTn>
+                  </p:par>
+                  <p:par>
+                    <p:cTn id="25" fill="hold">
+                      <p:stCondLst>
+                        <p:cond delay="indefinite"/>
+                      </p:stCondLst>
+                      <p:childTnLst>
+                        <p:par>
+                          <p:cTn id="26" fill="hold">
+                            <p:stCondLst>
+                              <p:cond delay="0"/>
+                            </p:stCondLst>
+                            <p:childTnLst>
+                              <p:par>
+                                <p:cTn id="27" presetID="9" presetClass="emph" presetSubtype="0" nodeType="clickEffect">
+                                  <p:stCondLst>
+                                    <p:cond delay="0"/>
+                                  </p:stCondLst>
+                                  <p:childTnLst>
+                                    <p:set>
+                                      <p:cBhvr>
+                                        <p:cTn id="28" dur="indefinite"/>
+                                        <p:tgtEl>
+                                          <p:spTgt spid="5"/>
+                                        </p:tgtEl>
+                                        <p:attrNameLst>
+                                          <p:attrName>style.opacity</p:attrName>
+                                        </p:attrNameLst>
+                                      </p:cBhvr>
+                                      <p:to>
+                                        <p:strVal val="0.5"/>
+                                      </p:to>
+                                    </p:set>
+                                    <p:animEffect filter="image" prLst="opacity: 0.5">
+                                      <p:cBhvr rctx="IE">
+                                        <p:cTn id="29" dur="indefinite"/>
+                                        <p:tgtEl>
+                                          <p:spTgt spid="5"/>
+                                        </p:tgtEl>
+                                      </p:cBhvr>
+                                    </p:animEffect>
+                                  </p:childTnLst>
+                                </p:cTn>
+                              </p:par>
+                              <p:par>
+                                <p:cTn id="30" presetID="2" presetClass="entr" presetSubtype="4" fill="hold" nodeType="withEffect">
+                                  <p:stCondLst>
+                                    <p:cond delay="0"/>
+                                  </p:stCondLst>
+                                  <p:childTnLst>
+                                    <p:set>
+                                      <p:cBhvr>
+                                        <p:cTn id="31" dur="1" fill="hold">
+                                          <p:stCondLst>
+                                            <p:cond delay="0"/>
+                                          </p:stCondLst>
+                                        </p:cTn>
+                                        <p:tgtEl>
+                                          <p:spTgt spid="6"/>
+                                        </p:tgtEl>
+                                        <p:attrNameLst>
+                                          <p:attrName>style.visibility</p:attrName>
+                                        </p:attrNameLst>
+                                      </p:cBhvr>
+                                      <p:to>
+                                        <p:strVal val="visible"/>
+                                      </p:to>
+                                    </p:set>
+                                    <p:anim calcmode="lin" valueType="num">
+                                      <p:cBhvr additive="base">
+                                        <p:cTn id="32" dur="500" fill="hold"/>
+                                        <p:tgtEl>
+                                          <p:spTgt spid="6"/>
+                                        </p:tgtEl>
+                                        <p:attrNameLst>
+                                          <p:attrName>ppt_x</p:attrName>
+                                        </p:attrNameLst>
+                                      </p:cBhvr>
+                                      <p:tavLst>
+                                        <p:tav tm="0">
+                                          <p:val>
+                                            <p:strVal val="#ppt_x"/>
+                                          </p:val>
+                                        </p:tav>
+                                        <p:tav tm="100000">
+                                          <p:val>
+                                            <p:strVal val="#ppt_x"/>
+                                          </p:val>
+                                        </p:tav>
+                                      </p:tavLst>
+                                    </p:anim>
+                                    <p:anim calcmode="lin" valueType="num">
+                                      <p:cBhvr additive="base">
+                                        <p:cTn id="33" dur="500" fill="hold"/>
+                                        <p:tgtEl>
+                                          <p:spTgt spid="6"/>
+                                        </p:tgtEl>
+                                        <p:attrNameLst>
+                                          <p:attrName>ppt_y</p:attrName>
+                                        </p:attrNameLst>
+                                      </p:cBhvr>
+                                      <p:tavLst>
+                                        <p:tav tm="0">
+                                          <p:val>
+                                            <p:strVal val="1+#ppt_h/2"/>
+                                          </p:val>
+                                        </p:tav>
+                                        <p:tav tm="100000">
+                                          <p:val>
+                                            <p:strVal val="#ppt_y"/>
+                                          </p:val>
+                                        </p:tav>
+                                      </p:tavLst>
+                                    </p:anim>
+                                  </p:childTnLst>
+                                </p:cTn>
+                              </p:par>
+                            </p:childTnLst>
+                          </p:cTn>
+                        </p:par>
+                      </p:childTnLst>
+                    </p:cTn>
+                  </p:par>
+                </p:childTnLst>
+              </p:cTn>
+              <p:prevCondLst>
+                <p:cond evt="onPrev" delay="0">
+                  <p:tgtEl>
+                    <p:sldTgt/>
+                  </p:tgtEl>
+                </p:cond>
+              </p:prevCondLst>
+              <p:nextCondLst>
+                <p:cond evt="onNext" delay="0">
+                  <p:tgtEl>
+                    <p:sldTgt/>
+                  </p:tgtEl>
+                </p:cond>
+              </p:nextCondLst>
+            </p:seq>
+          </p:childTnLst>
+        </p:cTn>
+      </p:par>
+    </p:tnLst>
+    <p:bldLst>
+      <p:bldP spid="2" grpId="0"/>
+    </p:bldLst>
+  </p:timing>
+</p:sld>
+</file>
+
+<file path=ppt/slides/slide9.xml><?xml version="1.0" encoding="utf-8"?>
+<p:sld xmlns:a="http://schemas.openxmlformats.org/drawingml/2006/main" xmlns:r="http://schemas.openxmlformats.org/officeDocument/2006/relationships" xmlns:p="http://schemas.openxmlformats.org/presentationml/2006/main">
+  <p:cSld>
+    <p:spTree>
+      <p:nvGrpSpPr>
+        <p:cNvPr id="1" name=""/>
+        <p:cNvGrpSpPr/>
+        <p:nvPr/>
+      </p:nvGrpSpPr>
+      <p:grpSpPr>
+        <a:xfrm>
+          <a:off x="0" y="0"/>
+          <a:ext cx="0" cy="0"/>
+          <a:chOff x="0" y="0"/>
+          <a:chExt cx="0" cy="0"/>
+        </a:xfrm>
+      </p:grpSpPr>
+      <p:sp>
+        <p:nvSpPr>
+          <p:cNvPr id="4" name="Title 1">
+            <a:extLst>
+              <a:ext uri="{FF2B5EF4-FFF2-40B4-BE49-F238E27FC236}">
+                <a16:creationId xmlns:a16="http://schemas.microsoft.com/office/drawing/2014/main" id="{10EE46C2-0FE1-47B6-9841-F83C6D9CCF3F}"/>
+              </a:ext>
+            </a:extLst>
+          </p:cNvPr>
+          <p:cNvSpPr>
+            <a:spLocks noGrp="1"/>
+          </p:cNvSpPr>
+          <p:nvPr>
+            <p:ph type="title"/>
+          </p:nvPr>
+        </p:nvSpPr>
+        <p:spPr>
+          <a:xfrm>
+            <a:off x="1141412" y="134224"/>
+            <a:ext cx="9905998" cy="922789"/>
+          </a:xfrm>
+        </p:spPr>
+        <p:txBody>
+          <a:bodyPr/>
+          <a:lstStyle/>
+          <a:p>
+            <a:r>
+              <a:rPr lang="en-US" dirty="0"/>
+              <a:t>Real World Example – Part Deux</a:t>
+            </a:r>
+          </a:p>
+        </p:txBody>
+      </p:sp>
+      <p:pic>
+        <p:nvPicPr>
+          <p:cNvPr id="5" name="Picture 4">
+            <a:extLst>
+              <a:ext uri="{FF2B5EF4-FFF2-40B4-BE49-F238E27FC236}">
+                <a16:creationId xmlns:a16="http://schemas.microsoft.com/office/drawing/2014/main" id="{0BD504C0-EF71-4E6B-8AC8-CB6EF2BFC148}"/>
+              </a:ext>
+            </a:extLst>
+          </p:cNvPr>
+          <p:cNvPicPr>
+            <a:picLocks noChangeAspect="1"/>
+          </p:cNvPicPr>
+          <p:nvPr/>
+        </p:nvPicPr>
+        <p:blipFill>
+          <a:blip r:embed="rId2"/>
+          <a:stretch>
+            <a:fillRect/>
+          </a:stretch>
+        </p:blipFill>
+        <p:spPr>
+          <a:xfrm>
+            <a:off x="1943101" y="1397671"/>
+            <a:ext cx="8305800" cy="2257425"/>
+          </a:xfrm>
+          <a:prstGeom prst="rect">
+            <a:avLst/>
+          </a:prstGeom>
+          <a:ln w="38100">
+            <a:solidFill>
+              <a:schemeClr val="tx1"/>
+            </a:solidFill>
+          </a:ln>
+        </p:spPr>
+      </p:pic>
+      <p:pic>
+        <p:nvPicPr>
+          <p:cNvPr id="6" name="Picture 5">
+            <a:extLst>
+              <a:ext uri="{FF2B5EF4-FFF2-40B4-BE49-F238E27FC236}">
+                <a16:creationId xmlns:a16="http://schemas.microsoft.com/office/drawing/2014/main" id="{BD749E88-4C4C-4B2D-838A-ECA2B964017D}"/>
+              </a:ext>
+            </a:extLst>
+          </p:cNvPr>
+          <p:cNvPicPr>
+            <a:picLocks noChangeAspect="1"/>
+          </p:cNvPicPr>
+          <p:nvPr/>
+        </p:nvPicPr>
+        <p:blipFill>
+          <a:blip r:embed="rId3"/>
+          <a:stretch>
+            <a:fillRect/>
+          </a:stretch>
+        </p:blipFill>
+        <p:spPr>
+          <a:xfrm>
+            <a:off x="2100263" y="1685759"/>
+            <a:ext cx="7991475" cy="2371725"/>
+          </a:xfrm>
+          <a:prstGeom prst="rect">
+            <a:avLst/>
+          </a:prstGeom>
+          <a:ln w="38100">
+            <a:solidFill>
+              <a:schemeClr val="tx1"/>
+            </a:solidFill>
+          </a:ln>
+        </p:spPr>
+      </p:pic>
+      <p:pic>
+        <p:nvPicPr>
+          <p:cNvPr id="8" name="Picture 7">
+            <a:extLst>
+              <a:ext uri="{FF2B5EF4-FFF2-40B4-BE49-F238E27FC236}">
+                <a16:creationId xmlns:a16="http://schemas.microsoft.com/office/drawing/2014/main" id="{58C188FE-BEFA-450C-9405-F04D8BB80B88}"/>
+              </a:ext>
+            </a:extLst>
+          </p:cNvPr>
+          <p:cNvPicPr>
+            <a:picLocks noChangeAspect="1"/>
+          </p:cNvPicPr>
+          <p:nvPr/>
+        </p:nvPicPr>
+        <p:blipFill>
+          <a:blip r:embed="rId4"/>
+          <a:stretch>
+            <a:fillRect/>
+          </a:stretch>
+        </p:blipFill>
+        <p:spPr>
+          <a:xfrm>
+            <a:off x="1038225" y="2110910"/>
+            <a:ext cx="10115550" cy="2466975"/>
+          </a:xfrm>
+          <a:prstGeom prst="rect">
+            <a:avLst/>
+          </a:prstGeom>
+          <a:ln w="38100">
+            <a:solidFill>
+              <a:schemeClr val="tx1"/>
+            </a:solidFill>
+          </a:ln>
+        </p:spPr>
+      </p:pic>
+    </p:spTree>
+    <p:extLst>
+      <p:ext uri="{BB962C8B-B14F-4D97-AF65-F5344CB8AC3E}">
+        <p14:creationId xmlns:p14="http://schemas.microsoft.com/office/powerpoint/2010/main" val="1797326897"/>
+      </p:ext>
+    </p:extLst>
+  </p:cSld>
+  <p:clrMapOvr>
+    <a:masterClrMapping/>
+  </p:clrMapOvr>
+  <p:timing>
+    <p:tnLst>
+      <p:par>
+        <p:cTn id="1" dur="indefinite" restart="never" nodeType="tmRoot">
+          <p:childTnLst>
+            <p:seq concurrent="1" nextAc="seek">
+              <p:cTn id="2" dur="indefinite" nodeType="mainSeq">
+                <p:childTnLst>
+                  <p:par>
+                    <p:cTn id="3" fill="hold">
+                      <p:stCondLst>
+                        <p:cond delay="indefinite"/>
+                      </p:stCondLst>
+                      <p:childTnLst>
+                        <p:par>
+                          <p:cTn id="4" fill="hold">
+                            <p:stCondLst>
+                              <p:cond delay="0"/>
+                            </p:stCondLst>
+                            <p:childTnLst>
+                              <p:par>
+                                <p:cTn id="5" presetID="9" presetClass="emph" presetSubtype="0" nodeType="clickEffect">
+                                  <p:stCondLst>
+                                    <p:cond delay="0"/>
+                                  </p:stCondLst>
+                                  <p:childTnLst>
+                                    <p:set>
+                                      <p:cBhvr>
+                                        <p:cTn id="6" dur="indefinite"/>
+                                        <p:tgtEl>
+                                          <p:spTgt spid="5"/>
+                                        </p:tgtEl>
+                                        <p:attrNameLst>
+                                          <p:attrName>style.opacity</p:attrName>
+                                        </p:attrNameLst>
+                                      </p:cBhvr>
+                                      <p:to>
+                                        <p:strVal val="0.5"/>
+                                      </p:to>
+                                    </p:set>
+                                    <p:animEffect filter="image" prLst="opacity: 0.5">
+                                      <p:cBhvr rctx="IE">
+                                        <p:cTn id="7" dur="indefinite"/>
+                                        <p:tgtEl>
+                                          <p:spTgt spid="5"/>
+                                        </p:tgtEl>
+                                      </p:cBhvr>
+                                    </p:animEffect>
+                                  </p:childTnLst>
+                                </p:cTn>
+                              </p:par>
+                              <p:par>
+                                <p:cTn id="8" presetID="2" presetClass="entr" presetSubtype="4" fill="hold" nodeType="withEffect">
+                                  <p:stCondLst>
+                                    <p:cond delay="0"/>
+                                  </p:stCondLst>
+                                  <p:childTnLst>
+                                    <p:set>
+                                      <p:cBhvr>
+                                        <p:cTn id="9" dur="1" fill="hold">
+                                          <p:stCondLst>
+                                            <p:cond delay="0"/>
+                                          </p:stCondLst>
+                                        </p:cTn>
+                                        <p:tgtEl>
+                                          <p:spTgt spid="6"/>
+                                        </p:tgtEl>
+                                        <p:attrNameLst>
+                                          <p:attrName>style.visibility</p:attrName>
+                                        </p:attrNameLst>
+                                      </p:cBhvr>
+                                      <p:to>
+                                        <p:strVal val="visible"/>
+                                      </p:to>
+                                    </p:set>
+                                    <p:anim calcmode="lin" valueType="num">
+                                      <p:cBhvr additive="base">
+                                        <p:cTn id="10" dur="500" fill="hold"/>
+                                        <p:tgtEl>
+                                          <p:spTgt spid="6"/>
+                                        </p:tgtEl>
+                                        <p:attrNameLst>
+                                          <p:attrName>ppt_x</p:attrName>
+                                        </p:attrNameLst>
+                                      </p:cBhvr>
+                                      <p:tavLst>
+                                        <p:tav tm="0">
+                                          <p:val>
+                                            <p:strVal val="#ppt_x"/>
+                                          </p:val>
+                                        </p:tav>
+                                        <p:tav tm="100000">
+                                          <p:val>
+                                            <p:strVal val="#ppt_x"/>
+                                          </p:val>
+                                        </p:tav>
+                                      </p:tavLst>
+                                    </p:anim>
+                                    <p:anim calcmode="lin" valueType="num">
+                                      <p:cBhvr additive="base">
+                                        <p:cTn id="11" dur="500" fill="hold"/>
+                                        <p:tgtEl>
+                                          <p:spTgt spid="6"/>
+                                        </p:tgtEl>
+                                        <p:attrNameLst>
+                                          <p:attrName>ppt_y</p:attrName>
+                                        </p:attrNameLst>
+                                      </p:cBhvr>
+                                      <p:tavLst>
+                                        <p:tav tm="0">
+                                          <p:val>
+                                            <p:strVal val="1+#ppt_h/2"/>
+                                          </p:val>
+                                        </p:tav>
+                                        <p:tav tm="100000">
+                                          <p:val>
+                                            <p:strVal val="#ppt_y"/>
+                                          </p:val>
+                                        </p:tav>
+                                      </p:tavLst>
+                                    </p:anim>
+                                  </p:childTnLst>
+                                </p:cTn>
+                              </p:par>
+                            </p:childTnLst>
+                          </p:cTn>
+                        </p:par>
+                      </p:childTnLst>
+                    </p:cTn>
+                  </p:par>
+                  <p:par>
+                    <p:cTn id="12" fill="hold">
+                      <p:stCondLst>
+                        <p:cond delay="indefinite"/>
+                      </p:stCondLst>
+                      <p:childTnLst>
+                        <p:par>
+                          <p:cTn id="13" fill="hold">
+                            <p:stCondLst>
+                              <p:cond delay="0"/>
+                            </p:stCondLst>
+                            <p:childTnLst>
+                              <p:par>
+                                <p:cTn id="14" presetID="9" presetClass="emph" presetSubtype="0" nodeType="clickEffect">
+                                  <p:stCondLst>
+                                    <p:cond delay="0"/>
+                                  </p:stCondLst>
+                                  <p:childTnLst>
+                                    <p:set>
+                                      <p:cBhvr>
+                                        <p:cTn id="15" dur="indefinite"/>
+                                        <p:tgtEl>
+                                          <p:spTgt spid="6"/>
+                                        </p:tgtEl>
+                                        <p:attrNameLst>
+                                          <p:attrName>style.opacity</p:attrName>
+                                        </p:attrNameLst>
+                                      </p:cBhvr>
+                                      <p:to>
+                                        <p:strVal val="0.5"/>
+                                      </p:to>
+                                    </p:set>
+                                    <p:animEffect filter="image" prLst="opacity: 0.5">
+                                      <p:cBhvr rctx="IE">
+                                        <p:cTn id="16" dur="indefinite"/>
+                                        <p:tgtEl>
+                                          <p:spTgt spid="6"/>
+                                        </p:tgtEl>
+                                      </p:cBhvr>
+                                    </p:animEffect>
+                                  </p:childTnLst>
+                                </p:cTn>
+                              </p:par>
+                              <p:par>
+                                <p:cTn id="17" presetID="2" presetClass="entr" presetSubtype="4" fill="hold" nodeType="withEffect">
+                                  <p:stCondLst>
+                                    <p:cond delay="0"/>
+                                  </p:stCondLst>
+                                  <p:childTnLst>
+                                    <p:set>
+                                      <p:cBhvr>
+                                        <p:cTn id="18" dur="1" fill="hold">
+                                          <p:stCondLst>
+                                            <p:cond delay="0"/>
+                                          </p:stCondLst>
+                                        </p:cTn>
+                                        <p:tgtEl>
+                                          <p:spTgt spid="8"/>
+                                        </p:tgtEl>
+                                        <p:attrNameLst>
+                                          <p:attrName>style.visibility</p:attrName>
+                                        </p:attrNameLst>
+                                      </p:cBhvr>
+                                      <p:to>
+                                        <p:strVal val="visible"/>
+                                      </p:to>
+                                    </p:set>
+                                    <p:anim calcmode="lin" valueType="num">
+                                      <p:cBhvr additive="base">
+                                        <p:cTn id="19" dur="500" fill="hold"/>
+                                        <p:tgtEl>
+                                          <p:spTgt spid="8"/>
+                                        </p:tgtEl>
+                                        <p:attrNameLst>
+                                          <p:attrName>ppt_x</p:attrName>
+                                        </p:attrNameLst>
+                                      </p:cBhvr>
+                                      <p:tavLst>
+                                        <p:tav tm="0">
+                                          <p:val>
+                                            <p:strVal val="#ppt_x"/>
+                                          </p:val>
+                                        </p:tav>
+                                        <p:tav tm="100000">
+                                          <p:val>
+                                            <p:strVal val="#ppt_x"/>
+                                          </p:val>
+                                        </p:tav>
+                                      </p:tavLst>
+                                    </p:anim>
+                                    <p:anim calcmode="lin" valueType="num">
+                                      <p:cBhvr additive="base">
+                                        <p:cTn id="20" dur="500" fill="hold"/>
+                                        <p:tgtEl>
+                                          <p:spTgt spid="8"/>
+                                        </p:tgtEl>
+                                        <p:attrNameLst>
+                                          <p:attrName>ppt_y</p:attrName>
+                                        </p:attrNameLst>
+                                      </p:cBhvr>
+                                      <p:tavLst>
+                                        <p:tav tm="0">
+                                          <p:val>
+                                            <p:strVal val="1+#ppt_h/2"/>
+                                          </p:val>
+                                        </p:tav>
+                                        <p:tav tm="100000">
+                                          <p:val>
+                                            <p:strVal val="#ppt_y"/>
+                                          </p:val>
+                                        </p:tav>
+                                      </p:tavLst>
+                                    </p:anim>
+                                  </p:childTnLst>
+                                </p:cTn>
+                              </p:par>
+                            </p:childTnLst>
+                          </p:cTn>
+                        </p:par>
+                      </p:childTnLst>
+                    </p:cTn>
+                  </p:par>
+                </p:childTnLst>
+              </p:cTn>
+              <p:prevCondLst>
+                <p:cond evt="onPrev" delay="0">
+                  <p:tgtEl>
+                    <p:sldTgt/>
+                  </p:tgtEl>
+                </p:cond>
+              </p:prevCondLst>
+              <p:nextCondLst>
+                <p:cond evt="onNext" delay="0">
+                  <p:tgtEl>
+                    <p:sldTgt/>
+                  </p:tgtEl>
+                </p:cond>
+              </p:nextCondLst>
+            </p:seq>
+          </p:childTnLst>
+        </p:cTn>
+      </p:par>
+    </p:tnLst>
+  </p:timing>
 </p:sld>
 </file>
 

--- a/Design Patterns - Decorator.pptx
+++ b/Design Patterns - Decorator.pptx
@@ -3553,7 +3553,7 @@
             <a:fld id="{B61BEF0D-F0BB-DE4B-95CE-6DB70DBA9567}" type="datetimeFigureOut">
               <a:rPr lang="en-US" dirty="0"/>
               <a:pPr/>
-              <a:t>9/6/2019</a:t>
+              <a:t>9/10/2019</a:t>
             </a:fld>
             <a:endParaRPr lang="en-US" dirty="0"/>
           </a:p>
@@ -3841,7 +3841,7 @@
             <a:fld id="{B61BEF0D-F0BB-DE4B-95CE-6DB70DBA9567}" type="datetimeFigureOut">
               <a:rPr lang="en-US" dirty="0"/>
               <a:pPr/>
-              <a:t>9/6/2019</a:t>
+              <a:t>9/10/2019</a:t>
             </a:fld>
             <a:endParaRPr lang="en-US" dirty="0"/>
           </a:p>
@@ -4086,7 +4086,7 @@
             <a:fld id="{B61BEF0D-F0BB-DE4B-95CE-6DB70DBA9567}" type="datetimeFigureOut">
               <a:rPr lang="en-US" dirty="0"/>
               <a:pPr/>
-              <a:t>9/6/2019</a:t>
+              <a:t>9/10/2019</a:t>
             </a:fld>
             <a:endParaRPr lang="en-US" dirty="0"/>
           </a:p>
@@ -4619,7 +4619,7 @@
             <a:fld id="{B61BEF0D-F0BB-DE4B-95CE-6DB70DBA9567}" type="datetimeFigureOut">
               <a:rPr lang="en-US" dirty="0"/>
               <a:pPr/>
-              <a:t>9/6/2019</a:t>
+              <a:t>9/10/2019</a:t>
             </a:fld>
             <a:endParaRPr lang="en-US" dirty="0"/>
           </a:p>
@@ -4864,7 +4864,7 @@
             <a:fld id="{B61BEF0D-F0BB-DE4B-95CE-6DB70DBA9567}" type="datetimeFigureOut">
               <a:rPr lang="en-US" dirty="0"/>
               <a:pPr/>
-              <a:t>9/6/2019</a:t>
+              <a:t>9/10/2019</a:t>
             </a:fld>
             <a:endParaRPr lang="en-US" dirty="0"/>
           </a:p>
@@ -5404,7 +5404,7 @@
             <a:fld id="{B61BEF0D-F0BB-DE4B-95CE-6DB70DBA9567}" type="datetimeFigureOut">
               <a:rPr lang="en-US" dirty="0"/>
               <a:pPr/>
-              <a:t>9/6/2019</a:t>
+              <a:t>9/10/2019</a:t>
             </a:fld>
             <a:endParaRPr lang="en-US" dirty="0"/>
           </a:p>
@@ -5711,7 +5711,7 @@
             <a:fld id="{B61BEF0D-F0BB-DE4B-95CE-6DB70DBA9567}" type="datetimeFigureOut">
               <a:rPr lang="en-US" dirty="0"/>
               <a:pPr/>
-              <a:t>9/6/2019</a:t>
+              <a:t>9/10/2019</a:t>
             </a:fld>
             <a:endParaRPr lang="en-US" dirty="0"/>
           </a:p>
@@ -5883,7 +5883,7 @@
             <a:fld id="{B61BEF0D-F0BB-DE4B-95CE-6DB70DBA9567}" type="datetimeFigureOut">
               <a:rPr lang="en-US" dirty="0"/>
               <a:pPr/>
-              <a:t>9/6/2019</a:t>
+              <a:t>9/10/2019</a:t>
             </a:fld>
             <a:endParaRPr lang="en-US" dirty="0"/>
           </a:p>
@@ -6060,7 +6060,7 @@
             <a:fld id="{B61BEF0D-F0BB-DE4B-95CE-6DB70DBA9567}" type="datetimeFigureOut">
               <a:rPr lang="en-US" dirty="0"/>
               <a:pPr/>
-              <a:t>9/6/2019</a:t>
+              <a:t>9/10/2019</a:t>
             </a:fld>
             <a:endParaRPr lang="en-US" dirty="0"/>
           </a:p>
@@ -6227,7 +6227,7 @@
             <a:fld id="{B61BEF0D-F0BB-DE4B-95CE-6DB70DBA9567}" type="datetimeFigureOut">
               <a:rPr lang="en-US" dirty="0"/>
               <a:pPr/>
-              <a:t>9/6/2019</a:t>
+              <a:t>9/10/2019</a:t>
             </a:fld>
             <a:endParaRPr lang="en-US" dirty="0"/>
           </a:p>
@@ -6470,7 +6470,7 @@
             <a:fld id="{B61BEF0D-F0BB-DE4B-95CE-6DB70DBA9567}" type="datetimeFigureOut">
               <a:rPr lang="en-US" dirty="0"/>
               <a:pPr/>
-              <a:t>9/6/2019</a:t>
+              <a:t>9/10/2019</a:t>
             </a:fld>
             <a:endParaRPr lang="en-US" dirty="0"/>
           </a:p>
@@ -6759,7 +6759,7 @@
             <a:fld id="{B61BEF0D-F0BB-DE4B-95CE-6DB70DBA9567}" type="datetimeFigureOut">
               <a:rPr lang="en-US" dirty="0"/>
               <a:pPr/>
-              <a:t>9/6/2019</a:t>
+              <a:t>9/10/2019</a:t>
             </a:fld>
             <a:endParaRPr lang="en-US" dirty="0"/>
           </a:p>
@@ -7186,7 +7186,7 @@
             <a:fld id="{B61BEF0D-F0BB-DE4B-95CE-6DB70DBA9567}" type="datetimeFigureOut">
               <a:rPr lang="en-US" dirty="0"/>
               <a:pPr/>
-              <a:t>9/6/2019</a:t>
+              <a:t>9/10/2019</a:t>
             </a:fld>
             <a:endParaRPr lang="en-US" dirty="0"/>
           </a:p>
@@ -7306,7 +7306,7 @@
             <a:fld id="{B61BEF0D-F0BB-DE4B-95CE-6DB70DBA9567}" type="datetimeFigureOut">
               <a:rPr lang="en-US" dirty="0"/>
               <a:pPr/>
-              <a:t>9/6/2019</a:t>
+              <a:t>9/10/2019</a:t>
             </a:fld>
             <a:endParaRPr lang="en-US" dirty="0"/>
           </a:p>
@@ -7398,7 +7398,7 @@
             <a:fld id="{B61BEF0D-F0BB-DE4B-95CE-6DB70DBA9567}" type="datetimeFigureOut">
               <a:rPr lang="en-US" dirty="0"/>
               <a:pPr/>
-              <a:t>9/6/2019</a:t>
+              <a:t>9/10/2019</a:t>
             </a:fld>
             <a:endParaRPr lang="en-US" dirty="0"/>
           </a:p>
@@ -7678,7 +7678,7 @@
             <a:fld id="{B61BEF0D-F0BB-DE4B-95CE-6DB70DBA9567}" type="datetimeFigureOut">
               <a:rPr lang="en-US" dirty="0"/>
               <a:pPr/>
-              <a:t>9/6/2019</a:t>
+              <a:t>9/10/2019</a:t>
             </a:fld>
             <a:endParaRPr lang="en-US" dirty="0"/>
           </a:p>
@@ -7966,7 +7966,7 @@
             <a:fld id="{B61BEF0D-F0BB-DE4B-95CE-6DB70DBA9567}" type="datetimeFigureOut">
               <a:rPr lang="en-US" dirty="0"/>
               <a:pPr/>
-              <a:t>9/6/2019</a:t>
+              <a:t>9/10/2019</a:t>
             </a:fld>
             <a:endParaRPr lang="en-US" dirty="0"/>
           </a:p>
@@ -8194,7 +8194,7 @@
             <a:fld id="{B61BEF0D-F0BB-DE4B-95CE-6DB70DBA9567}" type="datetimeFigureOut">
               <a:rPr lang="en-US" dirty="0"/>
               <a:pPr/>
-              <a:t>9/6/2019</a:t>
+              <a:t>9/10/2019</a:t>
             </a:fld>
             <a:endParaRPr lang="en-US" dirty="0"/>
           </a:p>
@@ -9077,6 +9077,44 @@
           </a:prstGeom>
         </p:spPr>
       </p:pic>
+      <p:sp>
+        <p:nvSpPr>
+          <p:cNvPr id="3" name="Rectangle 2">
+            <a:extLst>
+              <a:ext uri="{FF2B5EF4-FFF2-40B4-BE49-F238E27FC236}">
+                <a16:creationId xmlns:a16="http://schemas.microsoft.com/office/drawing/2014/main" id="{25EF3E6F-A862-4637-AB3E-19FB5BA2C24E}"/>
+              </a:ext>
+            </a:extLst>
+          </p:cNvPr>
+          <p:cNvSpPr/>
+          <p:nvPr/>
+        </p:nvSpPr>
+        <p:spPr>
+          <a:xfrm>
+            <a:off x="2273226" y="4694480"/>
+            <a:ext cx="7642371" cy="369332"/>
+          </a:xfrm>
+          <a:prstGeom prst="rect">
+            <a:avLst/>
+          </a:prstGeom>
+        </p:spPr>
+        <p:txBody>
+          <a:bodyPr wrap="square">
+            <a:spAutoFit/>
+          </a:bodyPr>
+          <a:lstStyle/>
+          <a:p>
+            <a:pPr algn="ctr"/>
+            <a:r>
+              <a:rPr lang="en-US" dirty="0">
+                <a:hlinkClick r:id="rId3"/>
+              </a:rPr>
+              <a:t>https://codesandbox.io/s/typescript-decorator-example-fgriu</a:t>
+            </a:r>
+            <a:endParaRPr lang="en-US" dirty="0"/>
+          </a:p>
+        </p:txBody>
+      </p:sp>
       <p:pic>
         <p:nvPicPr>
           <p:cNvPr id="8" name="Picture 7">
@@ -9092,7 +9130,7 @@
           <p:nvPr/>
         </p:nvPicPr>
         <p:blipFill>
-          <a:blip r:embed="rId3"/>
+          <a:blip r:embed="rId4"/>
           <a:stretch>
             <a:fillRect/>
           </a:stretch>
@@ -9122,7 +9160,7 @@
           <p:nvPr/>
         </p:nvPicPr>
         <p:blipFill>
-          <a:blip r:embed="rId4"/>
+          <a:blip r:embed="rId5"/>
           <a:stretch>
             <a:fillRect/>
           </a:stretch>
@@ -9259,14 +9297,105 @@
                             </p:stCondLst>
                             <p:childTnLst>
                               <p:par>
-                                <p:cTn id="11" presetID="9" presetClass="emph" presetSubtype="0" nodeType="clickEffect">
+                                <p:cTn id="11" presetID="2" presetClass="entr" presetSubtype="4" fill="hold" grpId="0" nodeType="clickEffect">
                                   <p:stCondLst>
                                     <p:cond delay="0"/>
                                   </p:stCondLst>
                                   <p:childTnLst>
                                     <p:set>
                                       <p:cBhvr>
-                                        <p:cTn id="12" dur="indefinite"/>
+                                        <p:cTn id="12" dur="1" fill="hold">
+                                          <p:stCondLst>
+                                            <p:cond delay="0"/>
+                                          </p:stCondLst>
+                                        </p:cTn>
+                                        <p:tgtEl>
+                                          <p:spTgt spid="3"/>
+                                        </p:tgtEl>
+                                        <p:attrNameLst>
+                                          <p:attrName>style.visibility</p:attrName>
+                                        </p:attrNameLst>
+                                      </p:cBhvr>
+                                      <p:to>
+                                        <p:strVal val="visible"/>
+                                      </p:to>
+                                    </p:set>
+                                    <p:anim calcmode="lin" valueType="num">
+                                      <p:cBhvr additive="base">
+                                        <p:cTn id="13" dur="500" fill="hold"/>
+                                        <p:tgtEl>
+                                          <p:spTgt spid="3"/>
+                                        </p:tgtEl>
+                                        <p:attrNameLst>
+                                          <p:attrName>ppt_x</p:attrName>
+                                        </p:attrNameLst>
+                                      </p:cBhvr>
+                                      <p:tavLst>
+                                        <p:tav tm="0">
+                                          <p:val>
+                                            <p:strVal val="#ppt_x"/>
+                                          </p:val>
+                                        </p:tav>
+                                        <p:tav tm="100000">
+                                          <p:val>
+                                            <p:strVal val="#ppt_x"/>
+                                          </p:val>
+                                        </p:tav>
+                                      </p:tavLst>
+                                    </p:anim>
+                                    <p:anim calcmode="lin" valueType="num">
+                                      <p:cBhvr additive="base">
+                                        <p:cTn id="14" dur="500" fill="hold"/>
+                                        <p:tgtEl>
+                                          <p:spTgt spid="3"/>
+                                        </p:tgtEl>
+                                        <p:attrNameLst>
+                                          <p:attrName>ppt_y</p:attrName>
+                                        </p:attrNameLst>
+                                      </p:cBhvr>
+                                      <p:tavLst>
+                                        <p:tav tm="0">
+                                          <p:val>
+                                            <p:strVal val="1+#ppt_h/2"/>
+                                          </p:val>
+                                        </p:tav>
+                                        <p:tav tm="100000">
+                                          <p:val>
+                                            <p:strVal val="#ppt_y"/>
+                                          </p:val>
+                                        </p:tav>
+                                      </p:tavLst>
+                                    </p:anim>
+                                  </p:childTnLst>
+                                </p:cTn>
+                              </p:par>
+                            </p:childTnLst>
+                          </p:cTn>
+                        </p:par>
+                      </p:childTnLst>
+                    </p:cTn>
+                  </p:par>
+                  <p:par>
+                    <p:cTn id="15" fill="hold">
+                      <p:stCondLst>
+                        <p:cond delay="indefinite"/>
+                      </p:stCondLst>
+                      <p:childTnLst>
+                        <p:par>
+                          <p:cTn id="16" fill="hold">
+                            <p:stCondLst>
+                              <p:cond delay="0"/>
+                            </p:stCondLst>
+                            <p:childTnLst>
+                              <p:par>
+                                <p:cTn id="17" presetID="9" presetClass="emph" presetSubtype="0" nodeType="clickEffect">
+                                  <p:stCondLst>
+                                    <p:cond delay="0"/>
+                                  </p:stCondLst>
+                                  <p:childTnLst>
+                                    <p:set>
+                                      <p:cBhvr>
+                                        <p:cTn id="18" dur="indefinite"/>
                                         <p:tgtEl>
                                           <p:spTgt spid="4"/>
                                         </p:tgtEl>
@@ -9280,7 +9409,7 @@
                                     </p:set>
                                     <p:animEffect filter="image" prLst="opacity: 0.5">
                                       <p:cBhvr rctx="IE">
-                                        <p:cTn id="13" dur="indefinite"/>
+                                        <p:cTn id="19" dur="indefinite"/>
                                         <p:tgtEl>
                                           <p:spTgt spid="4"/>
                                         </p:tgtEl>
@@ -9290,14 +9419,14 @@
                                 </p:cTn>
                               </p:par>
                               <p:par>
-                                <p:cTn id="14" presetID="2" presetClass="entr" presetSubtype="4" fill="hold" nodeType="withEffect">
+                                <p:cTn id="20" presetID="2" presetClass="entr" presetSubtype="4" fill="hold" nodeType="withEffect">
                                   <p:stCondLst>
                                     <p:cond delay="0"/>
                                   </p:stCondLst>
                                   <p:childTnLst>
                                     <p:set>
                                       <p:cBhvr>
-                                        <p:cTn id="15" dur="1" fill="hold">
+                                        <p:cTn id="21" dur="1" fill="hold">
                                           <p:stCondLst>
                                             <p:cond delay="0"/>
                                           </p:stCondLst>
@@ -9315,7 +9444,7 @@
                                     </p:set>
                                     <p:anim calcmode="lin" valueType="num">
                                       <p:cBhvr additive="base">
-                                        <p:cTn id="16" dur="500" fill="hold"/>
+                                        <p:cTn id="22" dur="500" fill="hold"/>
                                         <p:tgtEl>
                                           <p:spTgt spid="8"/>
                                         </p:tgtEl>
@@ -9338,7 +9467,7 @@
                                     </p:anim>
                                     <p:anim calcmode="lin" valueType="num">
                                       <p:cBhvr additive="base">
-                                        <p:cTn id="17" dur="500" fill="hold"/>
+                                        <p:cTn id="23" dur="500" fill="hold"/>
                                         <p:tgtEl>
                                           <p:spTgt spid="8"/>
                                         </p:tgtEl>
@@ -9363,14 +9492,14 @@
                                 </p:cTn>
                               </p:par>
                               <p:par>
-                                <p:cTn id="18" presetID="2" presetClass="entr" presetSubtype="4" fill="hold" nodeType="withEffect">
+                                <p:cTn id="24" presetID="2" presetClass="entr" presetSubtype="4" fill="hold" nodeType="withEffect">
                                   <p:stCondLst>
                                     <p:cond delay="0"/>
                                   </p:stCondLst>
                                   <p:childTnLst>
                                     <p:set>
                                       <p:cBhvr>
-                                        <p:cTn id="19" dur="1" fill="hold">
+                                        <p:cTn id="25" dur="1" fill="hold">
                                           <p:stCondLst>
                                             <p:cond delay="0"/>
                                           </p:stCondLst>
@@ -9388,7 +9517,7 @@
                                     </p:set>
                                     <p:anim calcmode="lin" valueType="num">
                                       <p:cBhvr additive="base">
-                                        <p:cTn id="20" dur="500" fill="hold"/>
+                                        <p:cTn id="26" dur="500" fill="hold"/>
                                         <p:tgtEl>
                                           <p:spTgt spid="9"/>
                                         </p:tgtEl>
@@ -9411,7 +9540,7 @@
                                     </p:anim>
                                     <p:anim calcmode="lin" valueType="num">
                                       <p:cBhvr additive="base">
-                                        <p:cTn id="21" dur="500" fill="hold"/>
+                                        <p:cTn id="27" dur="500" fill="hold"/>
                                         <p:tgtEl>
                                           <p:spTgt spid="9"/>
                                         </p:tgtEl>
@@ -9462,6 +9591,9 @@
         </p:cTn>
       </p:par>
     </p:tnLst>
+    <p:bldLst>
+      <p:bldP spid="3" grpId="0"/>
+    </p:bldLst>
   </p:timing>
 </p:sld>
 </file>
@@ -9740,7 +9872,7 @@
           <a:p>
             <a:r>
               <a:rPr lang="en-US" dirty="0"/>
-              <a:t>Slides &amp; </a:t>
+              <a:t>slides &amp; </a:t>
             </a:r>
             <a:r>
               <a:rPr lang="en-US" dirty="0" err="1"/>
@@ -9761,7 +9893,7 @@
           <a:p>
             <a:r>
               <a:rPr lang="en-US" dirty="0"/>
-              <a:t>Typescript example - </a:t>
+              <a:t>typescript example - </a:t>
             </a:r>
             <a:r>
               <a:rPr lang="en-US" dirty="0">
